--- a/TypeScript - You gonna like it!.pptx
+++ b/TypeScript - You gonna like it!.pptx
@@ -20,9 +20,9 @@
     <p:sldId id="892" r:id="rId8"/>
     <p:sldId id="884" r:id="rId9"/>
     <p:sldId id="885" r:id="rId10"/>
-    <p:sldId id="886" r:id="rId11"/>
-    <p:sldId id="887" r:id="rId12"/>
-    <p:sldId id="888" r:id="rId13"/>
+    <p:sldId id="887" r:id="rId11"/>
+    <p:sldId id="888" r:id="rId12"/>
+    <p:sldId id="886" r:id="rId13"/>
     <p:sldId id="889" r:id="rId14"/>
     <p:sldId id="890" r:id="rId15"/>
     <p:sldId id="883" r:id="rId16"/>
@@ -3082,8 +3082,8 @@
       </dsp:nvSpPr>
       <dsp:spPr>
         <a:xfrm>
-          <a:off x="4850503" y="1238207"/>
-          <a:ext cx="1102717" cy="1102897"/>
+          <a:off x="5534329" y="1405760"/>
+          <a:ext cx="1258179" cy="1258384"/>
         </a:xfrm>
         <a:prstGeom prst="ellipse">
           <a:avLst/>
@@ -3156,8 +3156,8 @@
       </dsp:nvSpPr>
       <dsp:spPr>
         <a:xfrm>
-          <a:off x="4886889" y="1274977"/>
-          <a:ext cx="1029359" cy="1029358"/>
+          <a:off x="5575844" y="1447713"/>
+          <a:ext cx="1174478" cy="1174477"/>
         </a:xfrm>
         <a:prstGeom prst="ellipse">
           <a:avLst/>
@@ -3197,12 +3197,12 @@
         <a:fontRef idx="minor"/>
       </dsp:style>
       <dsp:txBody>
-        <a:bodyPr spcFirstLastPara="0" vert="horz" wrap="square" lIns="13970" tIns="13970" rIns="13970" bIns="13970" numCol="1" spcCol="1270" anchor="ctr" anchorCtr="0">
+        <a:bodyPr spcFirstLastPara="0" vert="horz" wrap="square" lIns="16510" tIns="16510" rIns="16510" bIns="16510" numCol="1" spcCol="1270" anchor="ctr" anchorCtr="0">
           <a:noAutofit/>
         </a:bodyPr>
         <a:lstStyle/>
         <a:p>
-          <a:pPr marL="0" lvl="0" indent="0" algn="ctr" defTabSz="488950">
+          <a:pPr marL="0" lvl="0" indent="0" algn="ctr" defTabSz="577850">
             <a:lnSpc>
               <a:spcPct val="90000"/>
             </a:lnSpc>
@@ -3215,14 +3215,14 @@
             <a:buNone/>
           </a:pPr>
           <a:r>
-            <a:rPr lang="en-US" sz="1100" kern="1200" dirty="0"/>
+            <a:rPr lang="en-US" sz="1300" kern="1200" dirty="0"/>
             <a:t>ES 7/ 2016</a:t>
           </a:r>
         </a:p>
       </dsp:txBody>
       <dsp:txXfrm>
-        <a:off x="5034192" y="1422056"/>
-        <a:ext cx="735340" cy="735200"/>
+        <a:off x="5743914" y="1615527"/>
+        <a:ext cx="839009" cy="838849"/>
       </dsp:txXfrm>
     </dsp:sp>
     <dsp:sp modelId="{CC8AA7D8-D517-4F2A-A129-FFD0011C8F0C}">
@@ -3232,8 +3232,8 @@
       </dsp:nvSpPr>
       <dsp:spPr>
         <a:xfrm>
-          <a:off x="4886889" y="2361425"/>
-          <a:ext cx="1029359" cy="604571"/>
+          <a:off x="5575844" y="2687329"/>
+          <a:ext cx="1174478" cy="689804"/>
         </a:xfrm>
         <a:prstGeom prst="rect">
           <a:avLst/>
@@ -3257,12 +3257,12 @@
         <a:fontRef idx="minor"/>
       </dsp:style>
       <dsp:txBody>
-        <a:bodyPr spcFirstLastPara="0" vert="horz" wrap="square" lIns="41910" tIns="41910" rIns="41910" bIns="41910" numCol="1" spcCol="1270" anchor="t" anchorCtr="0">
+        <a:bodyPr spcFirstLastPara="0" vert="horz" wrap="square" lIns="49530" tIns="49530" rIns="49530" bIns="49530" numCol="1" spcCol="1270" anchor="t" anchorCtr="0">
           <a:noAutofit/>
         </a:bodyPr>
         <a:lstStyle/>
         <a:p>
-          <a:pPr marL="57150" lvl="1" indent="-57150" algn="l" defTabSz="400050">
+          <a:pPr marL="57150" lvl="1" indent="-57150" algn="l" defTabSz="444500">
             <a:lnSpc>
               <a:spcPct val="90000"/>
             </a:lnSpc>
@@ -3275,14 +3275,14 @@
             <a:buChar char="•"/>
           </a:pPr>
           <a:r>
-            <a:rPr lang="en-US" sz="900" kern="1200" dirty="0"/>
+            <a:rPr lang="en-US" sz="1000" kern="1200" dirty="0"/>
             <a:t>2017</a:t>
           </a:r>
         </a:p>
       </dsp:txBody>
       <dsp:txXfrm>
-        <a:off x="4886889" y="2361425"/>
-        <a:ext cx="1029359" cy="604571"/>
+        <a:off x="5575844" y="2687329"/>
+        <a:ext cx="1174478" cy="689804"/>
       </dsp:txXfrm>
     </dsp:sp>
     <dsp:sp modelId="{1DF1EE57-9137-4509-81FA-2D8F8CB94B9D}">
@@ -3292,8 +3292,8 @@
       </dsp:nvSpPr>
       <dsp:spPr>
         <a:xfrm rot="2700000">
-          <a:off x="3710290" y="1238264"/>
-          <a:ext cx="1102589" cy="1102589"/>
+          <a:off x="4233368" y="1405825"/>
+          <a:ext cx="1258033" cy="1258033"/>
         </a:xfrm>
         <a:prstGeom prst="teardrop">
           <a:avLst>
@@ -3368,8 +3368,8 @@
       </dsp:nvSpPr>
       <dsp:spPr>
         <a:xfrm>
-          <a:off x="3747786" y="1274977"/>
-          <a:ext cx="1029359" cy="1029358"/>
+          <a:off x="4276150" y="1447713"/>
+          <a:ext cx="1174478" cy="1174477"/>
         </a:xfrm>
         <a:prstGeom prst="ellipse">
           <a:avLst/>
@@ -3409,12 +3409,12 @@
         <a:fontRef idx="minor"/>
       </dsp:style>
       <dsp:txBody>
-        <a:bodyPr spcFirstLastPara="0" vert="horz" wrap="square" lIns="13970" tIns="13970" rIns="13970" bIns="13970" numCol="1" spcCol="1270" anchor="ctr" anchorCtr="0">
+        <a:bodyPr spcFirstLastPara="0" vert="horz" wrap="square" lIns="16510" tIns="16510" rIns="16510" bIns="16510" numCol="1" spcCol="1270" anchor="ctr" anchorCtr="0">
           <a:noAutofit/>
         </a:bodyPr>
         <a:lstStyle/>
         <a:p>
-          <a:pPr marL="0" lvl="0" indent="0" algn="ctr" defTabSz="488950">
+          <a:pPr marL="0" lvl="0" indent="0" algn="ctr" defTabSz="577850">
             <a:lnSpc>
               <a:spcPct val="90000"/>
             </a:lnSpc>
@@ -3427,14 +3427,14 @@
             <a:buNone/>
           </a:pPr>
           <a:r>
-            <a:rPr lang="en-US" sz="1100" kern="1200" dirty="0"/>
+            <a:rPr lang="en-US" sz="1300" kern="1200" dirty="0"/>
             <a:t>ES 6 / 2015</a:t>
           </a:r>
         </a:p>
       </dsp:txBody>
       <dsp:txXfrm>
-        <a:off x="3894502" y="1422056"/>
-        <a:ext cx="735340" cy="735200"/>
+        <a:off x="4443550" y="1615527"/>
+        <a:ext cx="839009" cy="838849"/>
       </dsp:txXfrm>
     </dsp:sp>
     <dsp:sp modelId="{1F935BC1-6607-46BD-A54D-A2F85D14D780}">
@@ -3444,8 +3444,8 @@
       </dsp:nvSpPr>
       <dsp:spPr>
         <a:xfrm>
-          <a:off x="3747786" y="2361425"/>
-          <a:ext cx="1029359" cy="604571"/>
+          <a:off x="4276150" y="2687329"/>
+          <a:ext cx="1174478" cy="689804"/>
         </a:xfrm>
         <a:prstGeom prst="rect">
           <a:avLst/>
@@ -3469,12 +3469,12 @@
         <a:fontRef idx="minor"/>
       </dsp:style>
       <dsp:txBody>
-        <a:bodyPr spcFirstLastPara="0" vert="horz" wrap="square" lIns="41910" tIns="41910" rIns="41910" bIns="41910" numCol="1" spcCol="1270" anchor="t" anchorCtr="0">
+        <a:bodyPr spcFirstLastPara="0" vert="horz" wrap="square" lIns="49530" tIns="49530" rIns="49530" bIns="49530" numCol="1" spcCol="1270" anchor="t" anchorCtr="0">
           <a:noAutofit/>
         </a:bodyPr>
         <a:lstStyle/>
         <a:p>
-          <a:pPr marL="57150" lvl="1" indent="-57150" algn="l" defTabSz="400050">
+          <a:pPr marL="57150" lvl="1" indent="-57150" algn="l" defTabSz="444500">
             <a:lnSpc>
               <a:spcPct val="90000"/>
             </a:lnSpc>
@@ -3487,14 +3487,14 @@
             <a:buChar char="•"/>
           </a:pPr>
           <a:r>
-            <a:rPr lang="en-US" sz="900" kern="1200" dirty="0"/>
+            <a:rPr lang="en-US" sz="1000" kern="1200" dirty="0"/>
             <a:t>2015</a:t>
           </a:r>
         </a:p>
       </dsp:txBody>
       <dsp:txXfrm>
-        <a:off x="3747786" y="2361425"/>
-        <a:ext cx="1029359" cy="604571"/>
+        <a:off x="4276150" y="2687329"/>
+        <a:ext cx="1174478" cy="689804"/>
       </dsp:txXfrm>
     </dsp:sp>
     <dsp:sp modelId="{70AE60B4-3260-4BBB-8DA5-13DD6565BD11}">
@@ -3504,8 +3504,8 @@
       </dsp:nvSpPr>
       <dsp:spPr>
         <a:xfrm rot="2700000">
-          <a:off x="2571187" y="1238264"/>
-          <a:ext cx="1102589" cy="1102589"/>
+          <a:off x="2933674" y="1405825"/>
+          <a:ext cx="1258033" cy="1258033"/>
         </a:xfrm>
         <a:prstGeom prst="teardrop">
           <a:avLst>
@@ -3580,8 +3580,8 @@
       </dsp:nvSpPr>
       <dsp:spPr>
         <a:xfrm>
-          <a:off x="2608096" y="1274977"/>
-          <a:ext cx="1029359" cy="1029358"/>
+          <a:off x="2975786" y="1447713"/>
+          <a:ext cx="1174478" cy="1174477"/>
         </a:xfrm>
         <a:prstGeom prst="ellipse">
           <a:avLst/>
@@ -3621,12 +3621,12 @@
         <a:fontRef idx="minor"/>
       </dsp:style>
       <dsp:txBody>
-        <a:bodyPr spcFirstLastPara="0" vert="horz" wrap="square" lIns="13970" tIns="13970" rIns="13970" bIns="13970" numCol="1" spcCol="1270" anchor="ctr" anchorCtr="0">
+        <a:bodyPr spcFirstLastPara="0" vert="horz" wrap="square" lIns="16510" tIns="16510" rIns="16510" bIns="16510" numCol="1" spcCol="1270" anchor="ctr" anchorCtr="0">
           <a:noAutofit/>
         </a:bodyPr>
         <a:lstStyle/>
         <a:p>
-          <a:pPr marL="0" lvl="0" indent="0" algn="ctr" defTabSz="488950">
+          <a:pPr marL="0" lvl="0" indent="0" algn="ctr" defTabSz="577850">
             <a:lnSpc>
               <a:spcPct val="90000"/>
             </a:lnSpc>
@@ -3639,14 +3639,14 @@
             <a:buNone/>
           </a:pPr>
           <a:r>
-            <a:rPr lang="en-US" sz="1100" kern="1200" dirty="0"/>
+            <a:rPr lang="en-US" sz="1300" kern="1200" dirty="0"/>
             <a:t>ES5</a:t>
           </a:r>
         </a:p>
       </dsp:txBody>
       <dsp:txXfrm>
-        <a:off x="2754812" y="1422056"/>
-        <a:ext cx="735340" cy="735200"/>
+        <a:off x="3143186" y="1615527"/>
+        <a:ext cx="839009" cy="838849"/>
       </dsp:txXfrm>
     </dsp:sp>
     <dsp:sp modelId="{FE058FA1-02CC-4E58-8285-8E4D2D6F92FF}">
@@ -3656,8 +3656,8 @@
       </dsp:nvSpPr>
       <dsp:spPr>
         <a:xfrm>
-          <a:off x="2608096" y="2361425"/>
-          <a:ext cx="1029359" cy="604571"/>
+          <a:off x="2975786" y="2687329"/>
+          <a:ext cx="1174478" cy="689804"/>
         </a:xfrm>
         <a:prstGeom prst="rect">
           <a:avLst/>
@@ -3681,12 +3681,12 @@
         <a:fontRef idx="minor"/>
       </dsp:style>
       <dsp:txBody>
-        <a:bodyPr spcFirstLastPara="0" vert="horz" wrap="square" lIns="41910" tIns="41910" rIns="41910" bIns="41910" numCol="1" spcCol="1270" anchor="t" anchorCtr="0">
+        <a:bodyPr spcFirstLastPara="0" vert="horz" wrap="square" lIns="49530" tIns="49530" rIns="49530" bIns="49530" numCol="1" spcCol="1270" anchor="t" anchorCtr="0">
           <a:noAutofit/>
         </a:bodyPr>
         <a:lstStyle/>
         <a:p>
-          <a:pPr marL="57150" lvl="1" indent="-57150" algn="l" defTabSz="400050">
+          <a:pPr marL="57150" lvl="1" indent="-57150" algn="l" defTabSz="444500">
             <a:lnSpc>
               <a:spcPct val="90000"/>
             </a:lnSpc>
@@ -3699,14 +3699,14 @@
             <a:buChar char="•"/>
           </a:pPr>
           <a:r>
-            <a:rPr lang="en-US" sz="900" kern="1200" dirty="0"/>
+            <a:rPr lang="en-US" sz="1000" kern="1200" dirty="0"/>
             <a:t>2009</a:t>
           </a:r>
         </a:p>
       </dsp:txBody>
       <dsp:txXfrm>
-        <a:off x="2608096" y="2361425"/>
-        <a:ext cx="1029359" cy="604571"/>
+        <a:off x="2975786" y="2687329"/>
+        <a:ext cx="1174478" cy="689804"/>
       </dsp:txXfrm>
     </dsp:sp>
     <dsp:sp modelId="{8E81D3CB-38BF-4844-A50A-683C434976E7}">
@@ -3716,8 +3716,8 @@
       </dsp:nvSpPr>
       <dsp:spPr>
         <a:xfrm rot="2700000">
-          <a:off x="1431497" y="1238264"/>
-          <a:ext cx="1102589" cy="1102589"/>
+          <a:off x="1633310" y="1405825"/>
+          <a:ext cx="1258033" cy="1258033"/>
         </a:xfrm>
         <a:prstGeom prst="teardrop">
           <a:avLst>
@@ -3792,8 +3792,8 @@
       </dsp:nvSpPr>
       <dsp:spPr>
         <a:xfrm>
-          <a:off x="1468406" y="1274977"/>
-          <a:ext cx="1029359" cy="1029358"/>
+          <a:off x="1675422" y="1447713"/>
+          <a:ext cx="1174478" cy="1174477"/>
         </a:xfrm>
         <a:prstGeom prst="ellipse">
           <a:avLst/>
@@ -3833,12 +3833,12 @@
         <a:fontRef idx="minor"/>
       </dsp:style>
       <dsp:txBody>
-        <a:bodyPr spcFirstLastPara="0" vert="horz" wrap="square" lIns="13970" tIns="13970" rIns="13970" bIns="13970" numCol="1" spcCol="1270" anchor="ctr" anchorCtr="0">
+        <a:bodyPr spcFirstLastPara="0" vert="horz" wrap="square" lIns="16510" tIns="16510" rIns="16510" bIns="16510" numCol="1" spcCol="1270" anchor="ctr" anchorCtr="0">
           <a:noAutofit/>
         </a:bodyPr>
         <a:lstStyle/>
         <a:p>
-          <a:pPr marL="0" lvl="0" indent="0" algn="ctr" defTabSz="488950">
+          <a:pPr marL="0" lvl="0" indent="0" algn="ctr" defTabSz="577850">
             <a:lnSpc>
               <a:spcPct val="90000"/>
             </a:lnSpc>
@@ -3851,14 +3851,14 @@
             <a:buNone/>
           </a:pPr>
           <a:r>
-            <a:rPr lang="en-US" sz="1100" kern="1200" dirty="0"/>
+            <a:rPr lang="en-US" sz="1300" kern="1200" dirty="0"/>
             <a:t>ES3</a:t>
           </a:r>
         </a:p>
       </dsp:txBody>
       <dsp:txXfrm>
-        <a:off x="1615709" y="1422056"/>
-        <a:ext cx="735340" cy="735200"/>
+        <a:off x="1843492" y="1615527"/>
+        <a:ext cx="839009" cy="838849"/>
       </dsp:txXfrm>
     </dsp:sp>
     <dsp:sp modelId="{5A0A2FCB-7EA2-40C2-A8AE-F1589E00347A}">
@@ -3868,8 +3868,8 @@
       </dsp:nvSpPr>
       <dsp:spPr>
         <a:xfrm>
-          <a:off x="1468406" y="2361425"/>
-          <a:ext cx="1029359" cy="604571"/>
+          <a:off x="1675422" y="2687329"/>
+          <a:ext cx="1174478" cy="689804"/>
         </a:xfrm>
         <a:prstGeom prst="rect">
           <a:avLst/>
@@ -3893,12 +3893,12 @@
         <a:fontRef idx="minor"/>
       </dsp:style>
       <dsp:txBody>
-        <a:bodyPr spcFirstLastPara="0" vert="horz" wrap="square" lIns="41910" tIns="41910" rIns="41910" bIns="41910" numCol="1" spcCol="1270" anchor="t" anchorCtr="0">
+        <a:bodyPr spcFirstLastPara="0" vert="horz" wrap="square" lIns="49530" tIns="49530" rIns="49530" bIns="49530" numCol="1" spcCol="1270" anchor="t" anchorCtr="0">
           <a:noAutofit/>
         </a:bodyPr>
         <a:lstStyle/>
         <a:p>
-          <a:pPr marL="57150" lvl="1" indent="-57150" algn="l" defTabSz="400050">
+          <a:pPr marL="57150" lvl="1" indent="-57150" algn="l" defTabSz="444500">
             <a:lnSpc>
               <a:spcPct val="90000"/>
             </a:lnSpc>
@@ -3911,14 +3911,14 @@
             <a:buChar char="•"/>
           </a:pPr>
           <a:r>
-            <a:rPr lang="en-US" sz="900" kern="1200" dirty="0"/>
+            <a:rPr lang="en-US" sz="1000" kern="1200" dirty="0"/>
             <a:t>1999</a:t>
           </a:r>
         </a:p>
       </dsp:txBody>
       <dsp:txXfrm>
-        <a:off x="1468406" y="2361425"/>
-        <a:ext cx="1029359" cy="604571"/>
+        <a:off x="1675422" y="2687329"/>
+        <a:ext cx="1174478" cy="689804"/>
       </dsp:txXfrm>
     </dsp:sp>
     <dsp:sp modelId="{0686B359-0DC1-41EF-95E7-39A17D0133D2}">
@@ -3928,8 +3928,8 @@
       </dsp:nvSpPr>
       <dsp:spPr>
         <a:xfrm rot="2700000">
-          <a:off x="291807" y="1238264"/>
-          <a:ext cx="1102589" cy="1102589"/>
+          <a:off x="332946" y="1405825"/>
+          <a:ext cx="1258033" cy="1258033"/>
         </a:xfrm>
         <a:prstGeom prst="teardrop">
           <a:avLst>
@@ -4004,8 +4004,8 @@
       </dsp:nvSpPr>
       <dsp:spPr>
         <a:xfrm>
-          <a:off x="328716" y="1274977"/>
-          <a:ext cx="1029359" cy="1029358"/>
+          <a:off x="375058" y="1447713"/>
+          <a:ext cx="1174478" cy="1174477"/>
         </a:xfrm>
         <a:prstGeom prst="ellipse">
           <a:avLst/>
@@ -4045,12 +4045,12 @@
         <a:fontRef idx="minor"/>
       </dsp:style>
       <dsp:txBody>
-        <a:bodyPr spcFirstLastPara="0" vert="horz" wrap="square" lIns="13970" tIns="13970" rIns="13970" bIns="13970" numCol="1" spcCol="1270" anchor="ctr" anchorCtr="0">
+        <a:bodyPr spcFirstLastPara="0" vert="horz" wrap="square" lIns="16510" tIns="16510" rIns="16510" bIns="16510" numCol="1" spcCol="1270" anchor="ctr" anchorCtr="0">
           <a:noAutofit/>
         </a:bodyPr>
         <a:lstStyle/>
         <a:p>
-          <a:pPr marL="0" lvl="0" indent="0" algn="ctr" defTabSz="488950">
+          <a:pPr marL="0" lvl="0" indent="0" algn="ctr" defTabSz="577850">
             <a:lnSpc>
               <a:spcPct val="90000"/>
             </a:lnSpc>
@@ -4063,14 +4063,14 @@
             <a:buNone/>
           </a:pPr>
           <a:r>
-            <a:rPr lang="en-US" sz="1100" kern="1200" dirty="0"/>
+            <a:rPr lang="en-US" sz="1300" kern="1200" dirty="0"/>
             <a:t>First JavaScript / ECMAScript</a:t>
           </a:r>
         </a:p>
       </dsp:txBody>
       <dsp:txXfrm>
-        <a:off x="476019" y="1422056"/>
-        <a:ext cx="735340" cy="735200"/>
+        <a:off x="543128" y="1615527"/>
+        <a:ext cx="839009" cy="838849"/>
       </dsp:txXfrm>
     </dsp:sp>
     <dsp:sp modelId="{8856AC0D-F2F6-4FC5-A846-D71A10D11EBE}">
@@ -4080,8 +4080,8 @@
       </dsp:nvSpPr>
       <dsp:spPr>
         <a:xfrm>
-          <a:off x="328716" y="2361425"/>
-          <a:ext cx="1029359" cy="604571"/>
+          <a:off x="375058" y="2687329"/>
+          <a:ext cx="1174478" cy="689804"/>
         </a:xfrm>
         <a:prstGeom prst="rect">
           <a:avLst/>
@@ -4105,12 +4105,12 @@
         <a:fontRef idx="minor"/>
       </dsp:style>
       <dsp:txBody>
-        <a:bodyPr spcFirstLastPara="0" vert="horz" wrap="square" lIns="41910" tIns="41910" rIns="41910" bIns="41910" numCol="1" spcCol="1270" anchor="t" anchorCtr="0">
+        <a:bodyPr spcFirstLastPara="0" vert="horz" wrap="square" lIns="49530" tIns="49530" rIns="49530" bIns="49530" numCol="1" spcCol="1270" anchor="t" anchorCtr="0">
           <a:noAutofit/>
         </a:bodyPr>
         <a:lstStyle/>
         <a:p>
-          <a:pPr marL="57150" lvl="1" indent="-57150" algn="l" defTabSz="400050">
+          <a:pPr marL="57150" lvl="1" indent="-57150" algn="l" defTabSz="444500">
             <a:lnSpc>
               <a:spcPct val="90000"/>
             </a:lnSpc>
@@ -4123,14 +4123,14 @@
             <a:buChar char="•"/>
           </a:pPr>
           <a:r>
-            <a:rPr lang="en-US" sz="900" kern="1200" dirty="0"/>
+            <a:rPr lang="en-US" sz="1000" kern="1200" dirty="0"/>
             <a:t>1996</a:t>
           </a:r>
         </a:p>
       </dsp:txBody>
       <dsp:txXfrm>
-        <a:off x="328716" y="2361425"/>
-        <a:ext cx="1029359" cy="604571"/>
+        <a:off x="375058" y="2687329"/>
+        <a:ext cx="1174478" cy="689804"/>
       </dsp:txXfrm>
     </dsp:sp>
   </dsp:spTree>
@@ -12884,7 +12884,7 @@
     </p:spTree>
     <p:extLst>
       <p:ext uri="{BB962C8B-B14F-4D97-AF65-F5344CB8AC3E}">
-        <p14:creationId xmlns:p14="http://schemas.microsoft.com/office/powerpoint/2010/main" val="2234558253"/>
+        <p14:creationId xmlns:p14="http://schemas.microsoft.com/office/powerpoint/2010/main" val="2859667237"/>
       </p:ext>
     </p:extLst>
   </p:cSld>
@@ -12979,7 +12979,7 @@
     </p:spTree>
     <p:extLst>
       <p:ext uri="{BB962C8B-B14F-4D97-AF65-F5344CB8AC3E}">
-        <p14:creationId xmlns:p14="http://schemas.microsoft.com/office/powerpoint/2010/main" val="2859667237"/>
+        <p14:creationId xmlns:p14="http://schemas.microsoft.com/office/powerpoint/2010/main" val="3277247523"/>
       </p:ext>
     </p:extLst>
   </p:cSld>
@@ -13074,7 +13074,7 @@
     </p:spTree>
     <p:extLst>
       <p:ext uri="{BB962C8B-B14F-4D97-AF65-F5344CB8AC3E}">
-        <p14:creationId xmlns:p14="http://schemas.microsoft.com/office/powerpoint/2010/main" val="3277247523"/>
+        <p14:creationId xmlns:p14="http://schemas.microsoft.com/office/powerpoint/2010/main" val="2234558253"/>
       </p:ext>
     </p:extLst>
   </p:cSld>
@@ -25277,7 +25277,7 @@
                 <a:ea typeface="Segoe UI" pitchFamily="34" charset="0"/>
                 <a:cs typeface="Segoe UI" pitchFamily="34" charset="0"/>
               </a:rPr>
-              <a:t>Debugging with Source map</a:t>
+              <a:t>Declaration files                                             </a:t>
             </a:r>
           </a:p>
           <a:p>
@@ -25297,7 +25297,27 @@
                 <a:ea typeface="Segoe UI" pitchFamily="34" charset="0"/>
                 <a:cs typeface="Segoe UI" pitchFamily="34" charset="0"/>
               </a:rPr>
-              <a:t>Configuring TypeScript Compiler</a:t>
+              <a:t>Debugging with Source map</a:t>
+            </a:r>
+          </a:p>
+          <a:p>
+            <a:pPr>
+              <a:lnSpc>
+                <a:spcPct val="120000"/>
+              </a:lnSpc>
+            </a:pPr>
+            <a:r>
+              <a:rPr lang="en-US" dirty="0">
+                <a:solidFill>
+                  <a:schemeClr val="tx1">
+                    <a:lumMod val="50000"/>
+                  </a:schemeClr>
+                </a:solidFill>
+                <a:latin typeface="Segoe UI" pitchFamily="34" charset="0"/>
+                <a:ea typeface="Segoe UI" pitchFamily="34" charset="0"/>
+                <a:cs typeface="Segoe UI" pitchFamily="34" charset="0"/>
+              </a:rPr>
+              <a:t>TypeScript Compiler configuration</a:t>
             </a:r>
           </a:p>
           <a:p>
@@ -28514,7 +28534,7 @@
                 <a:ea typeface="Segoe UI" pitchFamily="34" charset="0"/>
                 <a:cs typeface="Segoe UI" pitchFamily="34" charset="0"/>
               </a:rPr>
-              <a:t>ECMAScript 2015 Features</a:t>
+              <a:t>Type System</a:t>
             </a:r>
           </a:p>
           <a:p>
@@ -28534,7 +28554,7 @@
                 <a:ea typeface="Segoe UI" pitchFamily="34" charset="0"/>
                 <a:cs typeface="Segoe UI" pitchFamily="34" charset="0"/>
               </a:rPr>
-              <a:t>Type System</a:t>
+              <a:t>ECMAScript 2015 Features</a:t>
             </a:r>
           </a:p>
           <a:p>
@@ -28672,8 +28692,8 @@
         </p:nvSpPr>
         <p:spPr>
           <a:xfrm>
-            <a:off x="966651" y="1036320"/>
-            <a:ext cx="7223760" cy="4804203"/>
+            <a:off x="966650" y="1036320"/>
+            <a:ext cx="7713523" cy="5086184"/>
           </a:xfrm>
           <a:prstGeom prst="rect">
             <a:avLst/>
@@ -28681,7 +28701,7 @@
         </p:spPr>
         <p:txBody>
           <a:bodyPr vert="horz" lIns="91440" tIns="45720" rIns="91440" bIns="45720" rtlCol="0">
-            <a:normAutofit/>
+            <a:normAutofit fontScale="92500" lnSpcReduction="10000"/>
           </a:bodyPr>
           <a:lstStyle>
             <a:lvl1pPr marL="289719" indent="-289719" algn="l" defTabSz="1143000" rtl="0" eaLnBrk="1" latinLnBrk="0" hangingPunct="1">
@@ -29055,6 +29075,27 @@
               </a:rPr>
               <a:t></a:t>
             </a:r>
+          </a:p>
+          <a:p>
+            <a:pPr>
+              <a:lnSpc>
+                <a:spcPct val="120000"/>
+              </a:lnSpc>
+            </a:pPr>
+            <a:r>
+              <a:rPr lang="en-US" sz="1800" dirty="0">
+                <a:solidFill>
+                  <a:schemeClr val="tx1">
+                    <a:lumMod val="50000"/>
+                  </a:schemeClr>
+                </a:solidFill>
+                <a:latin typeface="Segoe UI" pitchFamily="34" charset="0"/>
+                <a:ea typeface="Segoe UI" pitchFamily="34" charset="0"/>
+                <a:cs typeface="Segoe UI" pitchFamily="34" charset="0"/>
+                <a:sym typeface="Wingdings" panose="05000000000000000000" pitchFamily="2" charset="2"/>
+              </a:rPr>
+              <a:t>Upgrade from Angular 1 to 2 becomes easier if 1 is written in TypeScript</a:t>
+            </a:r>
             <a:endParaRPr lang="en-US" sz="1800" dirty="0">
               <a:solidFill>
                 <a:schemeClr val="tx1">
@@ -29210,7 +29251,7 @@
               </a:lnSpc>
             </a:pPr>
             <a:r>
-              <a:rPr lang="en-US" sz="2000" dirty="0">
+              <a:rPr lang="en-US" sz="1800" dirty="0">
                 <a:solidFill>
                   <a:schemeClr val="tx1">
                     <a:lumMod val="50000"/>
@@ -29230,7 +29271,7 @@
               </a:lnSpc>
             </a:pPr>
             <a:r>
-              <a:rPr lang="en-US" sz="2000" dirty="0">
+              <a:rPr lang="en-US" sz="1800" dirty="0">
                 <a:solidFill>
                   <a:schemeClr val="tx1">
                     <a:lumMod val="50000"/>
@@ -29250,7 +29291,7 @@
               </a:lnSpc>
             </a:pPr>
             <a:r>
-              <a:rPr lang="en-US" sz="2000" dirty="0">
+              <a:rPr lang="en-US" sz="1800" dirty="0">
                 <a:solidFill>
                   <a:schemeClr val="tx1">
                     <a:lumMod val="50000"/>
@@ -29270,7 +29311,7 @@
               </a:lnSpc>
             </a:pPr>
             <a:r>
-              <a:rPr lang="en-US" sz="2000" dirty="0">
+              <a:rPr lang="en-US" sz="1800" dirty="0">
                 <a:solidFill>
                   <a:schemeClr val="tx1">
                     <a:lumMod val="50000"/>
@@ -29284,13 +29325,14 @@
             </a:r>
           </a:p>
           <a:p>
-            <a:pPr>
+            <a:pPr marL="0" indent="0">
               <a:lnSpc>
                 <a:spcPct val="120000"/>
               </a:lnSpc>
+              <a:buNone/>
             </a:pPr>
             <a:r>
-              <a:rPr lang="en-US" sz="2000" dirty="0">
+              <a:rPr lang="en-US" sz="1800" dirty="0">
                 <a:solidFill>
                   <a:schemeClr val="tx1">
                     <a:lumMod val="50000"/>
@@ -29300,17 +29342,17 @@
                 <a:ea typeface="Segoe UI" pitchFamily="34" charset="0"/>
                 <a:cs typeface="Segoe UI" pitchFamily="34" charset="0"/>
               </a:rPr>
-              <a:t>Above are essential for </a:t>
-            </a:r>
-          </a:p>
-          <a:p>
-            <a:pPr lvl="1">
+              <a:t>Above are essential for Large scale JavaScript development</a:t>
+            </a:r>
+          </a:p>
+          <a:p>
+            <a:pPr>
               <a:lnSpc>
                 <a:spcPct val="120000"/>
               </a:lnSpc>
             </a:pPr>
             <a:r>
-              <a:rPr lang="en-US" sz="1750" dirty="0">
+              <a:rPr lang="en-US" sz="1800" dirty="0">
                 <a:solidFill>
                   <a:schemeClr val="tx1">
                     <a:lumMod val="50000"/>
@@ -29320,7 +29362,7 @@
                 <a:ea typeface="Segoe UI" pitchFamily="34" charset="0"/>
                 <a:cs typeface="Segoe UI" pitchFamily="34" charset="0"/>
               </a:rPr>
-              <a:t>Large scale JavaScript development</a:t>
+              <a:t>Rise of JavaScript</a:t>
             </a:r>
           </a:p>
           <a:p>
@@ -29330,7 +29372,7 @@
               </a:lnSpc>
             </a:pPr>
             <a:r>
-              <a:rPr lang="en-US" sz="1750" dirty="0">
+              <a:rPr lang="en-US" sz="1500" dirty="0">
                 <a:solidFill>
                   <a:schemeClr val="tx1">
                     <a:lumMod val="50000"/>
@@ -29340,7 +29382,67 @@
                 <a:ea typeface="Segoe UI" pitchFamily="34" charset="0"/>
                 <a:cs typeface="Segoe UI" pitchFamily="34" charset="0"/>
               </a:rPr>
-              <a:t>Current era of rapid evolution of JavaScript (web) eco system</a:t>
+              <a:t>Mobility and Client-Side Development</a:t>
+            </a:r>
+          </a:p>
+          <a:p>
+            <a:pPr lvl="1">
+              <a:lnSpc>
+                <a:spcPct val="120000"/>
+              </a:lnSpc>
+            </a:pPr>
+            <a:r>
+              <a:rPr lang="en-US" sz="1500" dirty="0">
+                <a:solidFill>
+                  <a:schemeClr val="tx1">
+                    <a:lumMod val="50000"/>
+                  </a:schemeClr>
+                </a:solidFill>
+                <a:latin typeface="Segoe UI" pitchFamily="34" charset="0"/>
+                <a:ea typeface="Segoe UI" pitchFamily="34" charset="0"/>
+                <a:cs typeface="Segoe UI" pitchFamily="34" charset="0"/>
+              </a:rPr>
+              <a:t>Adoption of Node.js as backend technology</a:t>
+            </a:r>
+          </a:p>
+          <a:p>
+            <a:pPr lvl="1">
+              <a:lnSpc>
+                <a:spcPct val="120000"/>
+              </a:lnSpc>
+            </a:pPr>
+            <a:r>
+              <a:rPr lang="en-US" sz="1500" dirty="0">
+                <a:solidFill>
+                  <a:schemeClr val="tx1">
+                    <a:lumMod val="50000"/>
+                  </a:schemeClr>
+                </a:solidFill>
+                <a:latin typeface="Segoe UI" pitchFamily="34" charset="0"/>
+                <a:ea typeface="Segoe UI" pitchFamily="34" charset="0"/>
+                <a:cs typeface="Segoe UI" pitchFamily="34" charset="0"/>
+              </a:rPr>
+              <a:t>Enterprises adopting JavaScript as key programming language</a:t>
+            </a:r>
+          </a:p>
+          <a:p>
+            <a:pPr lvl="1">
+              <a:lnSpc>
+                <a:spcPct val="120000"/>
+              </a:lnSpc>
+            </a:pPr>
+            <a:r>
+              <a:rPr lang="en-US" sz="1500" dirty="0">
+                <a:solidFill>
+                  <a:schemeClr val="tx1">
+                    <a:lumMod val="50000"/>
+                  </a:schemeClr>
+                </a:solidFill>
+                <a:latin typeface="Segoe UI" pitchFamily="34" charset="0"/>
+                <a:ea typeface="Segoe UI" pitchFamily="34" charset="0"/>
+                <a:cs typeface="Segoe UI" pitchFamily="34" charset="0"/>
+              </a:rPr>
+              <a:t>Research metrics shows JavaScript demand increases 2xJava &amp; 3x.NET</a:t>
             </a:r>
           </a:p>
         </p:txBody>
@@ -29354,7 +29456,7 @@
         <p:spPr>
           <a:xfrm>
             <a:off x="7752523" y="2769705"/>
-            <a:ext cx="3829877" cy="1434560"/>
+            <a:ext cx="3829877" cy="1477328"/>
           </a:xfrm>
           <a:prstGeom prst="rect">
             <a:avLst/>
@@ -29377,7 +29479,7 @@
                 <a:latin typeface="Arial" pitchFamily="34" charset="0"/>
                 <a:cs typeface="Arial" pitchFamily="34" charset="0"/>
               </a:rPr>
-              <a:t>TypeScript captured several issues during build and improved refactoring efforts in Angular2 development.</a:t>
+              <a:t>TypeScript captured several issues during build and improved refactoring efforts in Angular 2 development.</a:t>
             </a:r>
           </a:p>
           <a:p>
@@ -29502,7 +29604,7 @@
               <a:buNone/>
             </a:pPr>
             <a:r>
-              <a:rPr lang="en-US" sz="1800" u="sng" dirty="0">
+              <a:rPr lang="en-US" dirty="0">
                 <a:solidFill>
                   <a:schemeClr val="tx1">
                     <a:lumMod val="50000"/>
@@ -30257,314 +30359,6 @@
                 <a:ea typeface="Segoe UI" pitchFamily="34" charset="0"/>
                 <a:cs typeface="Segoe UI" pitchFamily="34" charset="0"/>
               </a:rPr>
-              <a:t>ECMAScript 2015 Features</a:t>
-            </a:r>
-          </a:p>
-        </p:txBody>
-      </p:sp>
-      <p:sp>
-        <p:nvSpPr>
-          <p:cNvPr id="8195" name="Rectangle 3"/>
-          <p:cNvSpPr>
-            <a:spLocks noGrp="1" noChangeArrowheads="1"/>
-          </p:cNvSpPr>
-          <p:nvPr>
-            <p:ph type="body" idx="1"/>
-          </p:nvPr>
-        </p:nvSpPr>
-        <p:spPr>
-          <a:xfrm>
-            <a:off x="967232" y="1036320"/>
-            <a:ext cx="10906905" cy="4943540"/>
-          </a:xfrm>
-        </p:spPr>
-        <p:txBody>
-          <a:bodyPr vert="horz" lIns="91440" tIns="45720" rIns="91440" bIns="45720" rtlCol="0">
-            <a:normAutofit fontScale="92500" lnSpcReduction="10000"/>
-          </a:bodyPr>
-          <a:lstStyle/>
-          <a:p>
-            <a:pPr>
-              <a:lnSpc>
-                <a:spcPct val="100000"/>
-              </a:lnSpc>
-            </a:pPr>
-            <a:r>
-              <a:rPr lang="en-US" dirty="0">
-                <a:solidFill>
-                  <a:schemeClr val="tx1">
-                    <a:lumMod val="50000"/>
-                  </a:schemeClr>
-                </a:solidFill>
-                <a:latin typeface="Segoe UI" pitchFamily="34" charset="0"/>
-                <a:ea typeface="Segoe UI" pitchFamily="34" charset="0"/>
-                <a:cs typeface="Segoe UI" pitchFamily="34" charset="0"/>
-              </a:rPr>
-              <a:t>Let</a:t>
-            </a:r>
-          </a:p>
-          <a:p>
-            <a:pPr>
-              <a:lnSpc>
-                <a:spcPct val="100000"/>
-              </a:lnSpc>
-            </a:pPr>
-            <a:r>
-              <a:rPr lang="en-US" dirty="0">
-                <a:solidFill>
-                  <a:schemeClr val="tx1">
-                    <a:lumMod val="50000"/>
-                  </a:schemeClr>
-                </a:solidFill>
-                <a:latin typeface="Segoe UI" pitchFamily="34" charset="0"/>
-                <a:ea typeface="Segoe UI" pitchFamily="34" charset="0"/>
-                <a:cs typeface="Segoe UI" pitchFamily="34" charset="0"/>
-              </a:rPr>
-              <a:t>Arrow Functions                                 </a:t>
-            </a:r>
-          </a:p>
-          <a:p>
-            <a:pPr>
-              <a:lnSpc>
-                <a:spcPct val="100000"/>
-              </a:lnSpc>
-            </a:pPr>
-            <a:r>
-              <a:rPr lang="en-US" dirty="0">
-                <a:solidFill>
-                  <a:schemeClr val="tx1">
-                    <a:lumMod val="50000"/>
-                  </a:schemeClr>
-                </a:solidFill>
-                <a:latin typeface="Segoe UI" pitchFamily="34" charset="0"/>
-                <a:ea typeface="Segoe UI" pitchFamily="34" charset="0"/>
-                <a:cs typeface="Segoe UI" pitchFamily="34" charset="0"/>
-              </a:rPr>
-              <a:t>Const</a:t>
-            </a:r>
-          </a:p>
-          <a:p>
-            <a:pPr>
-              <a:lnSpc>
-                <a:spcPct val="100000"/>
-              </a:lnSpc>
-            </a:pPr>
-            <a:r>
-              <a:rPr lang="en-US" dirty="0">
-                <a:solidFill>
-                  <a:schemeClr val="tx1">
-                    <a:lumMod val="50000"/>
-                  </a:schemeClr>
-                </a:solidFill>
-                <a:latin typeface="Segoe UI" pitchFamily="34" charset="0"/>
-                <a:ea typeface="Segoe UI" pitchFamily="34" charset="0"/>
-                <a:cs typeface="Segoe UI" pitchFamily="34" charset="0"/>
-              </a:rPr>
-              <a:t>Optional Parameters</a:t>
-            </a:r>
-          </a:p>
-          <a:p>
-            <a:pPr>
-              <a:lnSpc>
-                <a:spcPct val="100000"/>
-              </a:lnSpc>
-            </a:pPr>
-            <a:r>
-              <a:rPr lang="en-US" dirty="0">
-                <a:solidFill>
-                  <a:schemeClr val="tx1">
-                    <a:lumMod val="50000"/>
-                  </a:schemeClr>
-                </a:solidFill>
-                <a:latin typeface="Segoe UI" pitchFamily="34" charset="0"/>
-                <a:ea typeface="Segoe UI" pitchFamily="34" charset="0"/>
-                <a:cs typeface="Segoe UI" pitchFamily="34" charset="0"/>
-              </a:rPr>
-              <a:t>Template Literals</a:t>
-            </a:r>
-          </a:p>
-          <a:p>
-            <a:pPr>
-              <a:lnSpc>
-                <a:spcPct val="100000"/>
-              </a:lnSpc>
-            </a:pPr>
-            <a:r>
-              <a:rPr lang="en-US" dirty="0">
-                <a:solidFill>
-                  <a:schemeClr val="tx1">
-                    <a:lumMod val="50000"/>
-                  </a:schemeClr>
-                </a:solidFill>
-                <a:latin typeface="Segoe UI" pitchFamily="34" charset="0"/>
-                <a:ea typeface="Segoe UI" pitchFamily="34" charset="0"/>
-                <a:cs typeface="Segoe UI" pitchFamily="34" charset="0"/>
-              </a:rPr>
-              <a:t>For..of Loops                                 </a:t>
-            </a:r>
-          </a:p>
-          <a:p>
-            <a:pPr>
-              <a:lnSpc>
-                <a:spcPct val="100000"/>
-              </a:lnSpc>
-            </a:pPr>
-            <a:r>
-              <a:rPr lang="en-US" dirty="0">
-                <a:solidFill>
-                  <a:schemeClr val="tx1">
-                    <a:lumMod val="50000"/>
-                  </a:schemeClr>
-                </a:solidFill>
-                <a:latin typeface="Segoe UI" pitchFamily="34" charset="0"/>
-                <a:ea typeface="Segoe UI" pitchFamily="34" charset="0"/>
-                <a:cs typeface="Segoe UI" pitchFamily="34" charset="0"/>
-              </a:rPr>
-              <a:t>Destructuring                                 </a:t>
-            </a:r>
-          </a:p>
-          <a:p>
-            <a:pPr>
-              <a:lnSpc>
-                <a:spcPct val="100000"/>
-              </a:lnSpc>
-            </a:pPr>
-            <a:r>
-              <a:rPr lang="en-US" dirty="0">
-                <a:solidFill>
-                  <a:schemeClr val="tx1">
-                    <a:lumMod val="50000"/>
-                  </a:schemeClr>
-                </a:solidFill>
-                <a:latin typeface="Segoe UI" pitchFamily="34" charset="0"/>
-                <a:ea typeface="Segoe UI" pitchFamily="34" charset="0"/>
-                <a:cs typeface="Segoe UI" pitchFamily="34" charset="0"/>
-              </a:rPr>
-              <a:t>The Spread Operator                                 </a:t>
-            </a:r>
-          </a:p>
-          <a:p>
-            <a:pPr>
-              <a:lnSpc>
-                <a:spcPct val="100000"/>
-              </a:lnSpc>
-            </a:pPr>
-            <a:r>
-              <a:rPr lang="en-US" dirty="0">
-                <a:solidFill>
-                  <a:schemeClr val="tx1">
-                    <a:lumMod val="50000"/>
-                  </a:schemeClr>
-                </a:solidFill>
-                <a:latin typeface="Segoe UI" pitchFamily="34" charset="0"/>
-                <a:ea typeface="Segoe UI" pitchFamily="34" charset="0"/>
-                <a:cs typeface="Segoe UI" pitchFamily="34" charset="0"/>
-              </a:rPr>
-              <a:t>Computed Properties </a:t>
-            </a:r>
-          </a:p>
-          <a:p>
-            <a:pPr>
-              <a:lnSpc>
-                <a:spcPct val="100000"/>
-              </a:lnSpc>
-            </a:pPr>
-            <a:r>
-              <a:rPr lang="en-US" dirty="0">
-                <a:solidFill>
-                  <a:schemeClr val="tx1">
-                    <a:lumMod val="50000"/>
-                  </a:schemeClr>
-                </a:solidFill>
-                <a:latin typeface="Segoe UI" pitchFamily="34" charset="0"/>
-                <a:ea typeface="Segoe UI" pitchFamily="34" charset="0"/>
-                <a:cs typeface="Segoe UI" pitchFamily="34" charset="0"/>
-              </a:rPr>
-              <a:t>Etc.</a:t>
-            </a:r>
-          </a:p>
-        </p:txBody>
-      </p:sp>
-      <p:graphicFrame>
-        <p:nvGraphicFramePr>
-          <p:cNvPr id="4" name="Diagram 3"/>
-          <p:cNvGraphicFramePr/>
-          <p:nvPr>
-            <p:extLst>
-              <p:ext uri="{D42A27DB-BD31-4B8C-83A1-F6EECF244321}">
-                <p14:modId xmlns:p14="http://schemas.microsoft.com/office/powerpoint/2010/main" val="2238255997"/>
-              </p:ext>
-            </p:extLst>
-          </p:nvPr>
-        </p:nvGraphicFramePr>
-        <p:xfrm>
-          <a:off x="5857461" y="1616765"/>
-          <a:ext cx="6016675" cy="3975652"/>
-        </p:xfrm>
-        <a:graphic>
-          <a:graphicData uri="http://schemas.openxmlformats.org/drawingml/2006/diagram">
-            <dgm:relIds xmlns:dgm="http://schemas.openxmlformats.org/drawingml/2006/diagram" xmlns:r="http://schemas.openxmlformats.org/officeDocument/2006/relationships" r:dm="rId3" r:lo="rId4" r:qs="rId5" r:cs="rId6"/>
-          </a:graphicData>
-        </a:graphic>
-      </p:graphicFrame>
-    </p:spTree>
-    <p:extLst>
-      <p:ext uri="{BB962C8B-B14F-4D97-AF65-F5344CB8AC3E}">
-        <p14:creationId xmlns:p14="http://schemas.microsoft.com/office/powerpoint/2010/main" val="176371425"/>
-      </p:ext>
-    </p:extLst>
-  </p:cSld>
-  <p:clrMapOvr>
-    <a:masterClrMapping/>
-  </p:clrMapOvr>
-</p:sld>
-</file>
-
-<file path=ppt/slides/slide8.xml><?xml version="1.0" encoding="utf-8"?>
-<p:sld xmlns:a="http://schemas.openxmlformats.org/drawingml/2006/main" xmlns:r="http://schemas.openxmlformats.org/officeDocument/2006/relationships" xmlns:p="http://schemas.openxmlformats.org/presentationml/2006/main">
-  <p:cSld>
-    <p:spTree>
-      <p:nvGrpSpPr>
-        <p:cNvPr id="1" name=""/>
-        <p:cNvGrpSpPr/>
-        <p:nvPr/>
-      </p:nvGrpSpPr>
-      <p:grpSpPr>
-        <a:xfrm>
-          <a:off x="0" y="0"/>
-          <a:ext cx="0" cy="0"/>
-          <a:chOff x="0" y="0"/>
-          <a:chExt cx="0" cy="0"/>
-        </a:xfrm>
-      </p:grpSpPr>
-      <p:sp>
-        <p:nvSpPr>
-          <p:cNvPr id="8194" name="Rectangle 2"/>
-          <p:cNvSpPr>
-            <a:spLocks noGrp="1" noChangeArrowheads="1"/>
-          </p:cNvSpPr>
-          <p:nvPr>
-            <p:ph type="title"/>
-          </p:nvPr>
-        </p:nvSpPr>
-        <p:spPr>
-          <a:xfrm>
-            <a:off x="609600" y="0"/>
-            <a:ext cx="10972800" cy="1036320"/>
-          </a:xfrm>
-        </p:spPr>
-        <p:txBody>
-          <a:bodyPr vert="horz" lIns="91440" tIns="45720" rIns="91440" bIns="45720" rtlCol="0" anchor="ctr">
-            <a:noAutofit/>
-          </a:bodyPr>
-          <a:lstStyle/>
-          <a:p>
-            <a:r>
-              <a:rPr lang="en-US" sz="3200" b="0" dirty="0">
-                <a:latin typeface="Segoe UI" pitchFamily="34" charset="0"/>
-                <a:ea typeface="Segoe UI" pitchFamily="34" charset="0"/>
-                <a:cs typeface="Segoe UI" pitchFamily="34" charset="0"/>
-              </a:rPr>
               <a:t>Type System</a:t>
             </a:r>
           </a:p>
@@ -30598,27 +30392,7 @@
               </a:lnSpc>
             </a:pPr>
             <a:r>
-              <a:rPr lang="en-US" dirty="0">
-                <a:solidFill>
-                  <a:schemeClr val="tx1">
-                    <a:lumMod val="50000"/>
-                  </a:schemeClr>
-                </a:solidFill>
-                <a:latin typeface="Segoe UI" pitchFamily="34" charset="0"/>
-                <a:ea typeface="Segoe UI" pitchFamily="34" charset="0"/>
-                <a:cs typeface="Segoe UI" pitchFamily="34" charset="0"/>
-              </a:rPr>
-              <a:t>Data Types</a:t>
-            </a:r>
-          </a:p>
-          <a:p>
-            <a:pPr lvl="1">
-              <a:lnSpc>
-                <a:spcPct val="120000"/>
-              </a:lnSpc>
-            </a:pPr>
-            <a:r>
-              <a:rPr lang="en-US" dirty="0">
+              <a:rPr lang="en-US" sz="2000" dirty="0">
                 <a:solidFill>
                   <a:schemeClr val="tx1">
                     <a:lumMod val="50000"/>
@@ -30632,13 +30406,13 @@
             </a:r>
           </a:p>
           <a:p>
-            <a:pPr lvl="1">
+            <a:pPr>
               <a:lnSpc>
                 <a:spcPct val="120000"/>
               </a:lnSpc>
             </a:pPr>
             <a:r>
-              <a:rPr lang="en-US" dirty="0">
+              <a:rPr lang="en-US" sz="2000" dirty="0">
                 <a:solidFill>
                   <a:schemeClr val="tx1">
                     <a:lumMod val="50000"/>
@@ -30648,37 +30422,17 @@
                 <a:ea typeface="Segoe UI" pitchFamily="34" charset="0"/>
                 <a:cs typeface="Segoe UI" pitchFamily="34" charset="0"/>
               </a:rPr>
-              <a:t>Additional Types: Enum, Any, Void</a:t>
-            </a:r>
-          </a:p>
-          <a:p>
-            <a:pPr lvl="1">
+              <a:t>Other Types: Any, Void, Union, String Literal Types</a:t>
+            </a:r>
+          </a:p>
+          <a:p>
+            <a:pPr>
               <a:lnSpc>
                 <a:spcPct val="120000"/>
               </a:lnSpc>
             </a:pPr>
             <a:r>
-              <a:rPr lang="en-US" dirty="0">
-                <a:solidFill>
-                  <a:schemeClr val="tx1">
-                    <a:lumMod val="50000"/>
-                  </a:schemeClr>
-                </a:solidFill>
-                <a:latin typeface="Segoe UI" pitchFamily="34" charset="0"/>
-                <a:ea typeface="Segoe UI" pitchFamily="34" charset="0"/>
-                <a:cs typeface="Segoe UI" pitchFamily="34" charset="0"/>
-              </a:rPr>
-              <a:t>Advanced Types: Union, Intersection</a:t>
-            </a:r>
-          </a:p>
-          <a:p>
-            <a:pPr lvl="1">
-              <a:lnSpc>
-                <a:spcPct val="120000"/>
-              </a:lnSpc>
-            </a:pPr>
-            <a:r>
-              <a:rPr lang="en-US" dirty="0">
+              <a:rPr lang="en-US" sz="2000" dirty="0">
                 <a:solidFill>
                   <a:schemeClr val="tx1">
                     <a:lumMod val="50000"/>
@@ -30698,7 +30452,7 @@
               </a:lnSpc>
             </a:pPr>
             <a:r>
-              <a:rPr lang="en-US" dirty="0">
+              <a:rPr lang="en-US" sz="2000" dirty="0">
                 <a:solidFill>
                   <a:schemeClr val="tx1">
                     <a:lumMod val="50000"/>
@@ -30708,7 +30462,7 @@
                 <a:ea typeface="Segoe UI" pitchFamily="34" charset="0"/>
                 <a:cs typeface="Segoe UI" pitchFamily="34" charset="0"/>
               </a:rPr>
-              <a:t>Type Inference                                </a:t>
+              <a:t>User Defined Types – Enum, Interfaces and classes</a:t>
             </a:r>
           </a:p>
           <a:p>
@@ -30718,7 +30472,7 @@
               </a:lnSpc>
             </a:pPr>
             <a:r>
-              <a:rPr lang="en-US" dirty="0">
+              <a:rPr lang="en-US" sz="2000" dirty="0">
                 <a:solidFill>
                   <a:schemeClr val="tx1">
                     <a:lumMod val="50000"/>
@@ -30728,17 +30482,34 @@
                 <a:ea typeface="Segoe UI" pitchFamily="34" charset="0"/>
                 <a:cs typeface="Segoe UI" pitchFamily="34" charset="0"/>
               </a:rPr>
-              <a:t>Custom Types – </a:t>
-            </a:r>
-          </a:p>
-          <a:p>
-            <a:pPr lvl="1">
+              <a:t>Type Inference</a:t>
+            </a:r>
+          </a:p>
+          <a:p>
+            <a:pPr>
               <a:lnSpc>
                 <a:spcPct val="120000"/>
               </a:lnSpc>
             </a:pPr>
-            <a:r>
-              <a:rPr lang="en-US" dirty="0">
+            <a:endParaRPr lang="en-US" sz="2000" dirty="0">
+              <a:solidFill>
+                <a:schemeClr val="tx1">
+                  <a:lumMod val="50000"/>
+                </a:schemeClr>
+              </a:solidFill>
+              <a:latin typeface="Segoe UI" pitchFamily="34" charset="0"/>
+              <a:ea typeface="Segoe UI" pitchFamily="34" charset="0"/>
+              <a:cs typeface="Segoe UI" pitchFamily="34" charset="0"/>
+            </a:endParaRPr>
+          </a:p>
+          <a:p>
+            <a:pPr>
+              <a:lnSpc>
+                <a:spcPct val="120000"/>
+              </a:lnSpc>
+            </a:pPr>
+            <a:r>
+              <a:rPr lang="en-US" sz="2000" dirty="0">
                 <a:solidFill>
                   <a:schemeClr val="tx1">
                     <a:lumMod val="50000"/>
@@ -30748,7 +30519,7 @@
                 <a:ea typeface="Segoe UI" pitchFamily="34" charset="0"/>
                 <a:cs typeface="Segoe UI" pitchFamily="34" charset="0"/>
               </a:rPr>
-              <a:t>User Defined Types – Interfaces and classes</a:t>
+              <a:t>Structural type system / Duck typing</a:t>
             </a:r>
           </a:p>
         </p:txBody>
@@ -30957,10 +30728,11 @@
             </a:lvl9pPr>
           </a:lstStyle>
           <a:p>
-            <a:pPr>
+            <a:pPr marL="0" indent="0">
               <a:lnSpc>
                 <a:spcPct val="120000"/>
               </a:lnSpc>
+              <a:buNone/>
             </a:pPr>
             <a:r>
               <a:rPr lang="en-US" dirty="0">
@@ -31033,7 +30805,7 @@
                 <a:ea typeface="Segoe UI" pitchFamily="34" charset="0"/>
                 <a:cs typeface="Segoe UI" pitchFamily="34" charset="0"/>
               </a:rPr>
-              <a:t>Best form documentation</a:t>
+              <a:t>Best form of documentation</a:t>
             </a:r>
           </a:p>
         </p:txBody>
@@ -31042,6 +30814,272 @@
     <p:extLst>
       <p:ext uri="{BB962C8B-B14F-4D97-AF65-F5344CB8AC3E}">
         <p14:creationId xmlns:p14="http://schemas.microsoft.com/office/powerpoint/2010/main" val="3590747779"/>
+      </p:ext>
+    </p:extLst>
+  </p:cSld>
+  <p:clrMapOvr>
+    <a:masterClrMapping/>
+  </p:clrMapOvr>
+</p:sld>
+</file>
+
+<file path=ppt/slides/slide8.xml><?xml version="1.0" encoding="utf-8"?>
+<p:sld xmlns:a="http://schemas.openxmlformats.org/drawingml/2006/main" xmlns:r="http://schemas.openxmlformats.org/officeDocument/2006/relationships" xmlns:p="http://schemas.openxmlformats.org/presentationml/2006/main">
+  <p:cSld>
+    <p:spTree>
+      <p:nvGrpSpPr>
+        <p:cNvPr id="1" name=""/>
+        <p:cNvGrpSpPr/>
+        <p:nvPr/>
+      </p:nvGrpSpPr>
+      <p:grpSpPr>
+        <a:xfrm>
+          <a:off x="0" y="0"/>
+          <a:ext cx="0" cy="0"/>
+          <a:chOff x="0" y="0"/>
+          <a:chExt cx="0" cy="0"/>
+        </a:xfrm>
+      </p:grpSpPr>
+      <p:sp>
+        <p:nvSpPr>
+          <p:cNvPr id="8194" name="Rectangle 2"/>
+          <p:cNvSpPr>
+            <a:spLocks noGrp="1" noChangeArrowheads="1"/>
+          </p:cNvSpPr>
+          <p:nvPr>
+            <p:ph type="title"/>
+          </p:nvPr>
+        </p:nvSpPr>
+        <p:spPr>
+          <a:xfrm>
+            <a:off x="609600" y="0"/>
+            <a:ext cx="10972800" cy="1036320"/>
+          </a:xfrm>
+        </p:spPr>
+        <p:txBody>
+          <a:bodyPr vert="horz" lIns="91440" tIns="45720" rIns="91440" bIns="45720" rtlCol="0" anchor="ctr">
+            <a:noAutofit/>
+          </a:bodyPr>
+          <a:lstStyle/>
+          <a:p>
+            <a:r>
+              <a:rPr lang="en-US" sz="3200" b="0" dirty="0">
+                <a:latin typeface="Segoe UI" pitchFamily="34" charset="0"/>
+                <a:ea typeface="Segoe UI" pitchFamily="34" charset="0"/>
+                <a:cs typeface="Segoe UI" pitchFamily="34" charset="0"/>
+              </a:rPr>
+              <a:t>Demo with features</a:t>
+            </a:r>
+          </a:p>
+        </p:txBody>
+      </p:sp>
+      <p:sp>
+        <p:nvSpPr>
+          <p:cNvPr id="8195" name="Rectangle 3"/>
+          <p:cNvSpPr>
+            <a:spLocks noGrp="1" noChangeArrowheads="1"/>
+          </p:cNvSpPr>
+          <p:nvPr>
+            <p:ph type="body" idx="1"/>
+          </p:nvPr>
+        </p:nvSpPr>
+        <p:spPr>
+          <a:xfrm>
+            <a:off x="967232" y="1175657"/>
+            <a:ext cx="10906905" cy="4804203"/>
+          </a:xfrm>
+        </p:spPr>
+        <p:txBody>
+          <a:bodyPr vert="horz" lIns="91440" tIns="45720" rIns="91440" bIns="45720" rtlCol="0">
+            <a:normAutofit fontScale="92500" lnSpcReduction="20000"/>
+          </a:bodyPr>
+          <a:lstStyle/>
+          <a:p>
+            <a:pPr>
+              <a:lnSpc>
+                <a:spcPct val="120000"/>
+              </a:lnSpc>
+            </a:pPr>
+            <a:r>
+              <a:rPr lang="en-US" dirty="0">
+                <a:solidFill>
+                  <a:schemeClr val="tx1">
+                    <a:lumMod val="50000"/>
+                  </a:schemeClr>
+                </a:solidFill>
+                <a:latin typeface="Segoe UI" pitchFamily="34" charset="0"/>
+                <a:ea typeface="Segoe UI" pitchFamily="34" charset="0"/>
+                <a:cs typeface="Segoe UI" pitchFamily="34" charset="0"/>
+              </a:rPr>
+              <a:t>Classes, Constructor, Inheritance, Abstract Classes</a:t>
+            </a:r>
+          </a:p>
+          <a:p>
+            <a:pPr>
+              <a:lnSpc>
+                <a:spcPct val="120000"/>
+              </a:lnSpc>
+            </a:pPr>
+            <a:r>
+              <a:rPr lang="en-US" dirty="0">
+                <a:solidFill>
+                  <a:schemeClr val="tx1">
+                    <a:lumMod val="50000"/>
+                  </a:schemeClr>
+                </a:solidFill>
+                <a:latin typeface="Segoe UI" pitchFamily="34" charset="0"/>
+                <a:ea typeface="Segoe UI" pitchFamily="34" charset="0"/>
+                <a:cs typeface="Segoe UI" pitchFamily="34" charset="0"/>
+              </a:rPr>
+              <a:t>Interfaces</a:t>
+            </a:r>
+          </a:p>
+          <a:p>
+            <a:pPr>
+              <a:lnSpc>
+                <a:spcPct val="120000"/>
+              </a:lnSpc>
+            </a:pPr>
+            <a:r>
+              <a:rPr lang="en-US" dirty="0">
+                <a:solidFill>
+                  <a:schemeClr val="tx1">
+                    <a:lumMod val="50000"/>
+                  </a:schemeClr>
+                </a:solidFill>
+                <a:latin typeface="Segoe UI" pitchFamily="34" charset="0"/>
+                <a:ea typeface="Segoe UI" pitchFamily="34" charset="0"/>
+                <a:cs typeface="Segoe UI" pitchFamily="34" charset="0"/>
+              </a:rPr>
+              <a:t>Namespaces (Internal modules), Modules</a:t>
+            </a:r>
+          </a:p>
+          <a:p>
+            <a:pPr>
+              <a:lnSpc>
+                <a:spcPct val="120000"/>
+              </a:lnSpc>
+            </a:pPr>
+            <a:r>
+              <a:rPr lang="en-US" dirty="0">
+                <a:solidFill>
+                  <a:schemeClr val="tx1">
+                    <a:lumMod val="50000"/>
+                  </a:schemeClr>
+                </a:solidFill>
+                <a:latin typeface="Segoe UI" pitchFamily="34" charset="0"/>
+                <a:ea typeface="Segoe UI" pitchFamily="34" charset="0"/>
+                <a:cs typeface="Segoe UI" pitchFamily="34" charset="0"/>
+              </a:rPr>
+              <a:t>Export</a:t>
+            </a:r>
+          </a:p>
+          <a:p>
+            <a:pPr>
+              <a:lnSpc>
+                <a:spcPct val="120000"/>
+              </a:lnSpc>
+            </a:pPr>
+            <a:r>
+              <a:rPr lang="en-US" dirty="0">
+                <a:solidFill>
+                  <a:schemeClr val="tx1">
+                    <a:lumMod val="50000"/>
+                  </a:schemeClr>
+                </a:solidFill>
+                <a:latin typeface="Segoe UI" pitchFamily="34" charset="0"/>
+                <a:ea typeface="Segoe UI" pitchFamily="34" charset="0"/>
+                <a:cs typeface="Segoe UI" pitchFamily="34" charset="0"/>
+              </a:rPr>
+              <a:t>Access Modifiers - Public, private, and protected</a:t>
+            </a:r>
+          </a:p>
+          <a:p>
+            <a:pPr>
+              <a:lnSpc>
+                <a:spcPct val="120000"/>
+              </a:lnSpc>
+            </a:pPr>
+            <a:r>
+              <a:rPr lang="en-US" dirty="0">
+                <a:solidFill>
+                  <a:schemeClr val="tx1">
+                    <a:lumMod val="50000"/>
+                  </a:schemeClr>
+                </a:solidFill>
+                <a:latin typeface="Segoe UI" pitchFamily="34" charset="0"/>
+                <a:ea typeface="Segoe UI" pitchFamily="34" charset="0"/>
+                <a:cs typeface="Segoe UI" pitchFamily="34" charset="0"/>
+              </a:rPr>
+              <a:t>Getter and Setter     </a:t>
+            </a:r>
+          </a:p>
+          <a:p>
+            <a:pPr>
+              <a:lnSpc>
+                <a:spcPct val="120000"/>
+              </a:lnSpc>
+            </a:pPr>
+            <a:r>
+              <a:rPr lang="en-US" dirty="0">
+                <a:solidFill>
+                  <a:schemeClr val="tx1">
+                    <a:lumMod val="50000"/>
+                  </a:schemeClr>
+                </a:solidFill>
+                <a:latin typeface="Segoe UI" pitchFamily="34" charset="0"/>
+                <a:ea typeface="Segoe UI" pitchFamily="34" charset="0"/>
+                <a:cs typeface="Segoe UI" pitchFamily="34" charset="0"/>
+              </a:rPr>
+              <a:t>Static Property                                       </a:t>
+            </a:r>
+          </a:p>
+          <a:p>
+            <a:pPr>
+              <a:lnSpc>
+                <a:spcPct val="120000"/>
+              </a:lnSpc>
+            </a:pPr>
+            <a:r>
+              <a:rPr lang="en-US" dirty="0">
+                <a:solidFill>
+                  <a:schemeClr val="tx1">
+                    <a:lumMod val="50000"/>
+                  </a:schemeClr>
+                </a:solidFill>
+                <a:latin typeface="Segoe UI" pitchFamily="34" charset="0"/>
+                <a:ea typeface="Segoe UI" pitchFamily="34" charset="0"/>
+                <a:cs typeface="Segoe UI" pitchFamily="34" charset="0"/>
+              </a:rPr>
+              <a:t>Generics         </a:t>
+            </a:r>
+          </a:p>
+          <a:p>
+            <a:pPr>
+              <a:lnSpc>
+                <a:spcPct val="120000"/>
+              </a:lnSpc>
+            </a:pPr>
+            <a:r>
+              <a:rPr lang="en-US" dirty="0">
+                <a:solidFill>
+                  <a:schemeClr val="tx1">
+                    <a:lumMod val="50000"/>
+                  </a:schemeClr>
+                </a:solidFill>
+                <a:latin typeface="Segoe UI" pitchFamily="34" charset="0"/>
+                <a:ea typeface="Segoe UI" pitchFamily="34" charset="0"/>
+                <a:cs typeface="Segoe UI" pitchFamily="34" charset="0"/>
+              </a:rPr>
+              <a:t>Decorators                       </a:t>
+            </a:r>
+          </a:p>
+        </p:txBody>
+      </p:sp>
+    </p:spTree>
+    <p:extLst>
+      <p:ext uri="{BB962C8B-B14F-4D97-AF65-F5344CB8AC3E}">
+        <p14:creationId xmlns:p14="http://schemas.microsoft.com/office/powerpoint/2010/main" val="3840444892"/>
       </p:ext>
     </p:extLst>
   </p:cSld>
@@ -31096,7 +31134,7 @@
                 <a:ea typeface="Segoe UI" pitchFamily="34" charset="0"/>
                 <a:cs typeface="Segoe UI" pitchFamily="34" charset="0"/>
               </a:rPr>
-              <a:t>Demo with features</a:t>
+              <a:t>ECMAScript 2015 Features</a:t>
             </a:r>
           </a:p>
         </p:txBody>
@@ -31113,8 +31151,8 @@
         </p:nvSpPr>
         <p:spPr>
           <a:xfrm>
-            <a:off x="967232" y="1175657"/>
-            <a:ext cx="10906905" cy="4804203"/>
+            <a:off x="967232" y="1036320"/>
+            <a:ext cx="10906905" cy="4943540"/>
           </a:xfrm>
         </p:spPr>
         <p:txBody>
@@ -31125,7 +31163,7 @@
           <a:p>
             <a:pPr>
               <a:lnSpc>
-                <a:spcPct val="120000"/>
+                <a:spcPct val="100000"/>
               </a:lnSpc>
             </a:pPr>
             <a:r>
@@ -31139,13 +31177,13 @@
                 <a:ea typeface="Segoe UI" pitchFamily="34" charset="0"/>
                 <a:cs typeface="Segoe UI" pitchFamily="34" charset="0"/>
               </a:rPr>
-              <a:t>Modules                                </a:t>
+              <a:t>Let</a:t>
             </a:r>
           </a:p>
           <a:p>
             <a:pPr>
               <a:lnSpc>
-                <a:spcPct val="120000"/>
+                <a:spcPct val="100000"/>
               </a:lnSpc>
             </a:pPr>
             <a:r>
@@ -31159,13 +31197,13 @@
                 <a:ea typeface="Segoe UI" pitchFamily="34" charset="0"/>
                 <a:cs typeface="Segoe UI" pitchFamily="34" charset="0"/>
               </a:rPr>
-              <a:t>Interfaces                                </a:t>
+              <a:t>Arrow Functions                                 </a:t>
             </a:r>
           </a:p>
           <a:p>
             <a:pPr>
               <a:lnSpc>
-                <a:spcPct val="120000"/>
+                <a:spcPct val="100000"/>
               </a:lnSpc>
             </a:pPr>
             <a:r>
@@ -31179,13 +31217,13 @@
                 <a:ea typeface="Segoe UI" pitchFamily="34" charset="0"/>
                 <a:cs typeface="Segoe UI" pitchFamily="34" charset="0"/>
               </a:rPr>
-              <a:t>Classes                                </a:t>
+              <a:t>Const</a:t>
             </a:r>
           </a:p>
           <a:p>
             <a:pPr>
               <a:lnSpc>
-                <a:spcPct val="120000"/>
+                <a:spcPct val="100000"/>
               </a:lnSpc>
             </a:pPr>
             <a:r>
@@ -31199,13 +31237,13 @@
                 <a:ea typeface="Segoe UI" pitchFamily="34" charset="0"/>
                 <a:cs typeface="Segoe UI" pitchFamily="34" charset="0"/>
               </a:rPr>
-              <a:t>Access Modifiers                                </a:t>
+              <a:t>Template Literals</a:t>
             </a:r>
           </a:p>
           <a:p>
             <a:pPr>
               <a:lnSpc>
-                <a:spcPct val="120000"/>
+                <a:spcPct val="100000"/>
               </a:lnSpc>
             </a:pPr>
             <a:r>
@@ -31219,13 +31257,13 @@
                 <a:ea typeface="Segoe UI" pitchFamily="34" charset="0"/>
                 <a:cs typeface="Segoe UI" pitchFamily="34" charset="0"/>
               </a:rPr>
-              <a:t>Generics                                </a:t>
+              <a:t>Optional Parameters</a:t>
             </a:r>
           </a:p>
           <a:p>
             <a:pPr>
               <a:lnSpc>
-                <a:spcPct val="120000"/>
+                <a:spcPct val="100000"/>
               </a:lnSpc>
             </a:pPr>
             <a:r>
@@ -31239,13 +31277,13 @@
                 <a:ea typeface="Segoe UI" pitchFamily="34" charset="0"/>
                 <a:cs typeface="Segoe UI" pitchFamily="34" charset="0"/>
               </a:rPr>
-              <a:t>Declaration files                                </a:t>
+              <a:t>The Spread/ Rest Operator                                 </a:t>
             </a:r>
           </a:p>
           <a:p>
             <a:pPr>
               <a:lnSpc>
-                <a:spcPct val="120000"/>
+                <a:spcPct val="100000"/>
               </a:lnSpc>
             </a:pPr>
             <a:r>
@@ -31259,15 +31297,77 @@
                 <a:ea typeface="Segoe UI" pitchFamily="34" charset="0"/>
                 <a:cs typeface="Segoe UI" pitchFamily="34" charset="0"/>
               </a:rPr>
-              <a:t>Decorators                                </a:t>
+              <a:t>Destructuring                                 </a:t>
+            </a:r>
+          </a:p>
+          <a:p>
+            <a:pPr>
+              <a:lnSpc>
+                <a:spcPct val="100000"/>
+              </a:lnSpc>
+            </a:pPr>
+            <a:r>
+              <a:rPr lang="en-US" dirty="0">
+                <a:solidFill>
+                  <a:schemeClr val="tx1">
+                    <a:lumMod val="50000"/>
+                  </a:schemeClr>
+                </a:solidFill>
+                <a:latin typeface="Segoe UI" pitchFamily="34" charset="0"/>
+                <a:ea typeface="Segoe UI" pitchFamily="34" charset="0"/>
+                <a:cs typeface="Segoe UI" pitchFamily="34" charset="0"/>
+              </a:rPr>
+              <a:t>For..of Loops                                 </a:t>
+            </a:r>
+          </a:p>
+          <a:p>
+            <a:pPr>
+              <a:lnSpc>
+                <a:spcPct val="100000"/>
+              </a:lnSpc>
+            </a:pPr>
+            <a:r>
+              <a:rPr lang="en-US" dirty="0">
+                <a:solidFill>
+                  <a:schemeClr val="tx1">
+                    <a:lumMod val="50000"/>
+                  </a:schemeClr>
+                </a:solidFill>
+                <a:latin typeface="Segoe UI" pitchFamily="34" charset="0"/>
+                <a:ea typeface="Segoe UI" pitchFamily="34" charset="0"/>
+                <a:cs typeface="Segoe UI" pitchFamily="34" charset="0"/>
+              </a:rPr>
+              <a:t>Etc.</a:t>
             </a:r>
           </a:p>
         </p:txBody>
       </p:sp>
+      <p:graphicFrame>
+        <p:nvGraphicFramePr>
+          <p:cNvPr id="4" name="Diagram 3"/>
+          <p:cNvGraphicFramePr/>
+          <p:nvPr>
+            <p:extLst>
+              <p:ext uri="{D42A27DB-BD31-4B8C-83A1-F6EECF244321}">
+                <p14:modId xmlns:p14="http://schemas.microsoft.com/office/powerpoint/2010/main" val="2111626908"/>
+              </p:ext>
+            </p:extLst>
+          </p:nvPr>
+        </p:nvGraphicFramePr>
+        <p:xfrm>
+          <a:off x="5009229" y="609601"/>
+          <a:ext cx="6864908" cy="4522120"/>
+        </p:xfrm>
+        <a:graphic>
+          <a:graphicData uri="http://schemas.openxmlformats.org/drawingml/2006/diagram">
+            <dgm:relIds xmlns:dgm="http://schemas.openxmlformats.org/drawingml/2006/diagram" xmlns:r="http://schemas.openxmlformats.org/officeDocument/2006/relationships" r:dm="rId3" r:lo="rId4" r:qs="rId5" r:cs="rId6"/>
+          </a:graphicData>
+        </a:graphic>
+      </p:graphicFrame>
     </p:spTree>
     <p:extLst>
       <p:ext uri="{BB962C8B-B14F-4D97-AF65-F5344CB8AC3E}">
-        <p14:creationId xmlns:p14="http://schemas.microsoft.com/office/powerpoint/2010/main" val="3840444892"/>
+        <p14:creationId xmlns:p14="http://schemas.microsoft.com/office/powerpoint/2010/main" val="176371425"/>
       </p:ext>
     </p:extLst>
   </p:cSld>

--- a/TypeScript - You gonna like it!.pptx
+++ b/TypeScript - You gonna like it!.pptx
@@ -8,10 +8,10 @@
     <p:sldMasterId id="2147483728" r:id="rId4"/>
   </p:sldMasterIdLst>
   <p:notesMasterIdLst>
-    <p:notesMasterId r:id="rId18"/>
+    <p:notesMasterId r:id="rId19"/>
   </p:notesMasterIdLst>
   <p:handoutMasterIdLst>
-    <p:handoutMasterId r:id="rId19"/>
+    <p:handoutMasterId r:id="rId20"/>
   </p:handoutMasterIdLst>
   <p:sldIdLst>
     <p:sldId id="869" r:id="rId5"/>
@@ -27,6 +27,7 @@
     <p:sldId id="890" r:id="rId15"/>
     <p:sldId id="883" r:id="rId16"/>
     <p:sldId id="893" r:id="rId17"/>
+    <p:sldId id="895" r:id="rId18"/>
   </p:sldIdLst>
   <p:sldSz cx="12192000" cy="6858000"/>
   <p:notesSz cx="6858000" cy="9144000"/>
@@ -2637,32 +2638,32 @@
     </dgm:pt>
   </dgm:ptLst>
   <dgm:cxnLst>
-    <dgm:cxn modelId="{507CD205-BD60-47F5-B306-8717E4EF3CF3}" type="presOf" srcId="{FCCC1A2A-61E1-4887-8103-92D28ECCC292}" destId="{C79DBBB0-0160-423C-A1DB-DFC5A2BC48EB}" srcOrd="1" destOrd="0" presId="urn:microsoft.com/office/officeart/2011/layout/CircleProcess"/>
+    <dgm:cxn modelId="{04A6843A-ACD2-494E-829B-96BCB5A9B0CB}" type="presOf" srcId="{7C78380B-2AE8-4179-83F4-49BCE5510CEE}" destId="{DF78ACB0-CD2B-4E4E-93C5-7E1125563574}" srcOrd="1" destOrd="0" presId="urn:microsoft.com/office/officeart/2011/layout/CircleProcess"/>
+    <dgm:cxn modelId="{E4D68D63-43FE-49D6-B9D9-A3F4CD12BBC8}" type="presOf" srcId="{A59454B0-B58D-4AE5-8F58-8E2B0125E69A}" destId="{B2EAA2ED-837C-4695-8E9A-B398C5E6C81C}" srcOrd="0" destOrd="0" presId="urn:microsoft.com/office/officeart/2011/layout/CircleProcess"/>
+    <dgm:cxn modelId="{014D1C4C-0C80-4674-B1B8-09B887C4C3E3}" type="presOf" srcId="{FA2C2728-8912-49DA-B1FA-E54E4F03DD2D}" destId="{5A0A2FCB-7EA2-40C2-A8AE-F1589E00347A}" srcOrd="0" destOrd="0" presId="urn:microsoft.com/office/officeart/2011/layout/CircleProcess"/>
+    <dgm:cxn modelId="{9A35BBCA-8C47-4D64-8EF7-2B17496A6990}" type="presOf" srcId="{4AFD2E54-8A2A-4325-AEE7-B766AF2A7AEC}" destId="{CC8AA7D8-D517-4F2A-A129-FFD0011C8F0C}" srcOrd="0" destOrd="0" presId="urn:microsoft.com/office/officeart/2011/layout/CircleProcess"/>
+    <dgm:cxn modelId="{57C2D6E9-6282-4062-8CB5-C1ABCB30368D}" srcId="{A59454B0-B58D-4AE5-8F58-8E2B0125E69A}" destId="{B61EE0DC-D9C6-4EB2-B4CE-6D3D41E01E6C}" srcOrd="3" destOrd="0" parTransId="{F9F7D2D6-EF0D-44A1-A2CE-72D08ABF9D83}" sibTransId="{E28709B7-E5CE-4350-A77B-682C971CDF4D}"/>
+    <dgm:cxn modelId="{72ED27AC-FAB4-4DF5-BFD3-996C48378EE0}" type="presOf" srcId="{1109F27B-9D46-44ED-964B-AFE5BAC42382}" destId="{4C5556FE-4F85-47F9-B9EC-B0058822A27E}" srcOrd="1" destOrd="0" presId="urn:microsoft.com/office/officeart/2011/layout/CircleProcess"/>
+    <dgm:cxn modelId="{1224E063-FF74-4B25-B3F6-DB8285FBD94D}" type="presOf" srcId="{7C78380B-2AE8-4179-83F4-49BCE5510CEE}" destId="{2B4FCDEA-FB80-4B3D-A802-E09B344AF6A9}" srcOrd="0" destOrd="0" presId="urn:microsoft.com/office/officeart/2011/layout/CircleProcess"/>
+    <dgm:cxn modelId="{ED0FDD57-4562-4285-B662-CA3793BA9C27}" srcId="{A59454B0-B58D-4AE5-8F58-8E2B0125E69A}" destId="{1109F27B-9D46-44ED-964B-AFE5BAC42382}" srcOrd="4" destOrd="0" parTransId="{75C2F29B-824B-4543-9324-153A82CB1CBD}" sibTransId="{55DCAA41-1308-4F2C-996F-114481F3F9FE}"/>
+    <dgm:cxn modelId="{1AD2F581-9D7A-4CEA-B82E-206687CD9218}" type="presOf" srcId="{C36D42C5-EF50-44B5-9DBE-22C250B13FC5}" destId="{F7C6CBDA-7C9A-498C-A617-CF5AF08D777A}" srcOrd="1" destOrd="0" presId="urn:microsoft.com/office/officeart/2011/layout/CircleProcess"/>
+    <dgm:cxn modelId="{BD6AB0CE-4963-4C77-8EA1-EF79CA875B77}" srcId="{A59454B0-B58D-4AE5-8F58-8E2B0125E69A}" destId="{FCCC1A2A-61E1-4887-8103-92D28ECCC292}" srcOrd="1" destOrd="0" parTransId="{FFF347A8-EDB0-49DB-8037-20F13B7DA643}" sibTransId="{C2F2E05D-C14F-4138-9338-AEA96E6F82A1}"/>
+    <dgm:cxn modelId="{45F014C5-F70C-4EF7-A2B8-9612D1A6D000}" type="presOf" srcId="{B61EE0DC-D9C6-4EB2-B4CE-6D3D41E01E6C}" destId="{80D94F3B-D0C4-48DE-B4A9-6BC7043DD470}" srcOrd="1" destOrd="0" presId="urn:microsoft.com/office/officeart/2011/layout/CircleProcess"/>
+    <dgm:cxn modelId="{B0E421D5-7864-475B-9356-A4EE796E3A5A}" type="presOf" srcId="{FCCC1A2A-61E1-4887-8103-92D28ECCC292}" destId="{2E33546B-F52F-4954-9A52-7CF4409F983F}" srcOrd="0" destOrd="0" presId="urn:microsoft.com/office/officeart/2011/layout/CircleProcess"/>
     <dgm:cxn modelId="{70DDB661-E610-485F-81D9-8930D6A81C90}" type="presOf" srcId="{EAA22FF9-5595-4C9B-BDE0-9ABC5FBC9A1E}" destId="{8856AC0D-F2F6-4FC5-A846-D71A10D11EBE}" srcOrd="0" destOrd="0" presId="urn:microsoft.com/office/officeart/2011/layout/CircleProcess"/>
-    <dgm:cxn modelId="{B0E421D5-7864-475B-9356-A4EE796E3A5A}" type="presOf" srcId="{FCCC1A2A-61E1-4887-8103-92D28ECCC292}" destId="{2E33546B-F52F-4954-9A52-7CF4409F983F}" srcOrd="0" destOrd="0" presId="urn:microsoft.com/office/officeart/2011/layout/CircleProcess"/>
-    <dgm:cxn modelId="{04A6843A-ACD2-494E-829B-96BCB5A9B0CB}" type="presOf" srcId="{7C78380B-2AE8-4179-83F4-49BCE5510CEE}" destId="{DF78ACB0-CD2B-4E4E-93C5-7E1125563574}" srcOrd="1" destOrd="0" presId="urn:microsoft.com/office/officeart/2011/layout/CircleProcess"/>
-    <dgm:cxn modelId="{5D18EAE3-FBC0-499E-BEF1-0DF21F227655}" type="presOf" srcId="{C36D42C5-EF50-44B5-9DBE-22C250B13FC5}" destId="{B039811E-4DD3-4983-8A68-9E54A558D2FC}" srcOrd="0" destOrd="0" presId="urn:microsoft.com/office/officeart/2011/layout/CircleProcess"/>
-    <dgm:cxn modelId="{72ED27AC-FAB4-4DF5-BFD3-996C48378EE0}" type="presOf" srcId="{1109F27B-9D46-44ED-964B-AFE5BAC42382}" destId="{4C5556FE-4F85-47F9-B9EC-B0058822A27E}" srcOrd="1" destOrd="0" presId="urn:microsoft.com/office/officeart/2011/layout/CircleProcess"/>
-    <dgm:cxn modelId="{37854716-2FA2-4DF8-950F-42074B2A5382}" srcId="{A59454B0-B58D-4AE5-8F58-8E2B0125E69A}" destId="{C36D42C5-EF50-44B5-9DBE-22C250B13FC5}" srcOrd="0" destOrd="0" parTransId="{302BA737-62D7-46ED-B660-FAAF89BBC76A}" sibTransId="{C2F17749-13A9-45C3-82D0-2BB94BA51E92}"/>
-    <dgm:cxn modelId="{014D1C4C-0C80-4674-B1B8-09B887C4C3E3}" type="presOf" srcId="{FA2C2728-8912-49DA-B1FA-E54E4F03DD2D}" destId="{5A0A2FCB-7EA2-40C2-A8AE-F1589E00347A}" srcOrd="0" destOrd="0" presId="urn:microsoft.com/office/officeart/2011/layout/CircleProcess"/>
+    <dgm:cxn modelId="{87950B9E-D868-4ED8-9127-6442A65BDB90}" srcId="{1109F27B-9D46-44ED-964B-AFE5BAC42382}" destId="{4AFD2E54-8A2A-4325-AEE7-B766AF2A7AEC}" srcOrd="0" destOrd="0" parTransId="{D4A42B5A-8FE0-4E68-8836-DB06E4AFE5A9}" sibTransId="{1F494B79-54DF-4F52-A886-68AFDCF3FE7D}"/>
+    <dgm:cxn modelId="{1A5EB033-92C2-432E-8714-CB55170A7978}" srcId="{7C78380B-2AE8-4179-83F4-49BCE5510CEE}" destId="{FA81AC6B-79AF-474D-9396-8E100AFAA611}" srcOrd="0" destOrd="0" parTransId="{B27F232A-13D1-47C3-BC48-8FDDC6DEB66C}" sibTransId="{AA451FC4-F472-4003-B298-A5C65AD3A524}"/>
+    <dgm:cxn modelId="{3EC7FA06-C703-4239-9D8E-158EF6A49552}" type="presOf" srcId="{1109F27B-9D46-44ED-964B-AFE5BAC42382}" destId="{CF3D13C3-9EC2-4FFF-AB18-D089C4D195C8}" srcOrd="0" destOrd="0" presId="urn:microsoft.com/office/officeart/2011/layout/CircleProcess"/>
+    <dgm:cxn modelId="{1FDF2565-0AD3-4321-B6EA-24CE3E6A571A}" srcId="{B61EE0DC-D9C6-4EB2-B4CE-6D3D41E01E6C}" destId="{39139D8A-437F-43F4-A8A3-4CEB3BC23C30}" srcOrd="0" destOrd="0" parTransId="{12C2D13B-418D-4A55-8E4C-CDB3331A3BA7}" sibTransId="{30E92E00-2DB4-4838-9E33-CCD63AEFBF63}"/>
+    <dgm:cxn modelId="{692F918E-5B3C-424B-A104-9472878D2543}" type="presOf" srcId="{FA81AC6B-79AF-474D-9396-8E100AFAA611}" destId="{FE058FA1-02CC-4E58-8285-8E4D2D6F92FF}" srcOrd="0" destOrd="0" presId="urn:microsoft.com/office/officeart/2011/layout/CircleProcess"/>
+    <dgm:cxn modelId="{3DF9B14E-3491-436D-97C5-D7D5BB13A5F2}" type="presOf" srcId="{B61EE0DC-D9C6-4EB2-B4CE-6D3D41E01E6C}" destId="{8EACFF52-AD14-4721-84DC-545EDB8768B0}" srcOrd="0" destOrd="0" presId="urn:microsoft.com/office/officeart/2011/layout/CircleProcess"/>
     <dgm:cxn modelId="{6DF26C46-3035-4718-8257-BC4806E52DBF}" type="presOf" srcId="{39139D8A-437F-43F4-A8A3-4CEB3BC23C30}" destId="{1F935BC1-6607-46BD-A54D-A2F85D14D780}" srcOrd="0" destOrd="0" presId="urn:microsoft.com/office/officeart/2011/layout/CircleProcess"/>
     <dgm:cxn modelId="{25F6A55B-2BFF-4DA6-9E04-642BB46F1857}" srcId="{C36D42C5-EF50-44B5-9DBE-22C250B13FC5}" destId="{EAA22FF9-5595-4C9B-BDE0-9ABC5FBC9A1E}" srcOrd="0" destOrd="0" parTransId="{22ABFF2D-45E2-4C1F-B765-E699FB0693CA}" sibTransId="{5586A02A-7089-4BAB-BEB9-DAB482E9CA65}"/>
+    <dgm:cxn modelId="{507CD205-BD60-47F5-B306-8717E4EF3CF3}" type="presOf" srcId="{FCCC1A2A-61E1-4887-8103-92D28ECCC292}" destId="{C79DBBB0-0160-423C-A1DB-DFC5A2BC48EB}" srcOrd="1" destOrd="0" presId="urn:microsoft.com/office/officeart/2011/layout/CircleProcess"/>
+    <dgm:cxn modelId="{77F45468-B07D-4A2A-B585-031006CFF5CE}" srcId="{FCCC1A2A-61E1-4887-8103-92D28ECCC292}" destId="{FA2C2728-8912-49DA-B1FA-E54E4F03DD2D}" srcOrd="0" destOrd="0" parTransId="{7F40B541-E3EB-4C04-BA9A-5DD271B708FA}" sibTransId="{4861E6D9-1A28-40C9-9C7B-699027D22FF9}"/>
+    <dgm:cxn modelId="{37854716-2FA2-4DF8-950F-42074B2A5382}" srcId="{A59454B0-B58D-4AE5-8F58-8E2B0125E69A}" destId="{C36D42C5-EF50-44B5-9DBE-22C250B13FC5}" srcOrd="0" destOrd="0" parTransId="{302BA737-62D7-46ED-B660-FAAF89BBC76A}" sibTransId="{C2F17749-13A9-45C3-82D0-2BB94BA51E92}"/>
+    <dgm:cxn modelId="{5D18EAE3-FBC0-499E-BEF1-0DF21F227655}" type="presOf" srcId="{C36D42C5-EF50-44B5-9DBE-22C250B13FC5}" destId="{B039811E-4DD3-4983-8A68-9E54A558D2FC}" srcOrd="0" destOrd="0" presId="urn:microsoft.com/office/officeart/2011/layout/CircleProcess"/>
     <dgm:cxn modelId="{952F91AB-55FE-483D-BF28-502EBCC8622B}" srcId="{A59454B0-B58D-4AE5-8F58-8E2B0125E69A}" destId="{7C78380B-2AE8-4179-83F4-49BCE5510CEE}" srcOrd="2" destOrd="0" parTransId="{051CDDE0-499B-4437-B716-BF6A2370EE3C}" sibTransId="{F6B66436-74AF-4BEF-B100-A2A42E897C8A}"/>
-    <dgm:cxn modelId="{77F45468-B07D-4A2A-B585-031006CFF5CE}" srcId="{FCCC1A2A-61E1-4887-8103-92D28ECCC292}" destId="{FA2C2728-8912-49DA-B1FA-E54E4F03DD2D}" srcOrd="0" destOrd="0" parTransId="{7F40B541-E3EB-4C04-BA9A-5DD271B708FA}" sibTransId="{4861E6D9-1A28-40C9-9C7B-699027D22FF9}"/>
-    <dgm:cxn modelId="{9A35BBCA-8C47-4D64-8EF7-2B17496A6990}" type="presOf" srcId="{4AFD2E54-8A2A-4325-AEE7-B766AF2A7AEC}" destId="{CC8AA7D8-D517-4F2A-A129-FFD0011C8F0C}" srcOrd="0" destOrd="0" presId="urn:microsoft.com/office/officeart/2011/layout/CircleProcess"/>
-    <dgm:cxn modelId="{1224E063-FF74-4B25-B3F6-DB8285FBD94D}" type="presOf" srcId="{7C78380B-2AE8-4179-83F4-49BCE5510CEE}" destId="{2B4FCDEA-FB80-4B3D-A802-E09B344AF6A9}" srcOrd="0" destOrd="0" presId="urn:microsoft.com/office/officeart/2011/layout/CircleProcess"/>
-    <dgm:cxn modelId="{57C2D6E9-6282-4062-8CB5-C1ABCB30368D}" srcId="{A59454B0-B58D-4AE5-8F58-8E2B0125E69A}" destId="{B61EE0DC-D9C6-4EB2-B4CE-6D3D41E01E6C}" srcOrd="3" destOrd="0" parTransId="{F9F7D2D6-EF0D-44A1-A2CE-72D08ABF9D83}" sibTransId="{E28709B7-E5CE-4350-A77B-682C971CDF4D}"/>
-    <dgm:cxn modelId="{3EC7FA06-C703-4239-9D8E-158EF6A49552}" type="presOf" srcId="{1109F27B-9D46-44ED-964B-AFE5BAC42382}" destId="{CF3D13C3-9EC2-4FFF-AB18-D089C4D195C8}" srcOrd="0" destOrd="0" presId="urn:microsoft.com/office/officeart/2011/layout/CircleProcess"/>
-    <dgm:cxn modelId="{1AD2F581-9D7A-4CEA-B82E-206687CD9218}" type="presOf" srcId="{C36D42C5-EF50-44B5-9DBE-22C250B13FC5}" destId="{F7C6CBDA-7C9A-498C-A617-CF5AF08D777A}" srcOrd="1" destOrd="0" presId="urn:microsoft.com/office/officeart/2011/layout/CircleProcess"/>
-    <dgm:cxn modelId="{3DF9B14E-3491-436D-97C5-D7D5BB13A5F2}" type="presOf" srcId="{B61EE0DC-D9C6-4EB2-B4CE-6D3D41E01E6C}" destId="{8EACFF52-AD14-4721-84DC-545EDB8768B0}" srcOrd="0" destOrd="0" presId="urn:microsoft.com/office/officeart/2011/layout/CircleProcess"/>
-    <dgm:cxn modelId="{87950B9E-D868-4ED8-9127-6442A65BDB90}" srcId="{1109F27B-9D46-44ED-964B-AFE5BAC42382}" destId="{4AFD2E54-8A2A-4325-AEE7-B766AF2A7AEC}" srcOrd="0" destOrd="0" parTransId="{D4A42B5A-8FE0-4E68-8836-DB06E4AFE5A9}" sibTransId="{1F494B79-54DF-4F52-A886-68AFDCF3FE7D}"/>
-    <dgm:cxn modelId="{E4D68D63-43FE-49D6-B9D9-A3F4CD12BBC8}" type="presOf" srcId="{A59454B0-B58D-4AE5-8F58-8E2B0125E69A}" destId="{B2EAA2ED-837C-4695-8E9A-B398C5E6C81C}" srcOrd="0" destOrd="0" presId="urn:microsoft.com/office/officeart/2011/layout/CircleProcess"/>
-    <dgm:cxn modelId="{1FDF2565-0AD3-4321-B6EA-24CE3E6A571A}" srcId="{B61EE0DC-D9C6-4EB2-B4CE-6D3D41E01E6C}" destId="{39139D8A-437F-43F4-A8A3-4CEB3BC23C30}" srcOrd="0" destOrd="0" parTransId="{12C2D13B-418D-4A55-8E4C-CDB3331A3BA7}" sibTransId="{30E92E00-2DB4-4838-9E33-CCD63AEFBF63}"/>
-    <dgm:cxn modelId="{45F014C5-F70C-4EF7-A2B8-9612D1A6D000}" type="presOf" srcId="{B61EE0DC-D9C6-4EB2-B4CE-6D3D41E01E6C}" destId="{80D94F3B-D0C4-48DE-B4A9-6BC7043DD470}" srcOrd="1" destOrd="0" presId="urn:microsoft.com/office/officeart/2011/layout/CircleProcess"/>
-    <dgm:cxn modelId="{ED0FDD57-4562-4285-B662-CA3793BA9C27}" srcId="{A59454B0-B58D-4AE5-8F58-8E2B0125E69A}" destId="{1109F27B-9D46-44ED-964B-AFE5BAC42382}" srcOrd="4" destOrd="0" parTransId="{75C2F29B-824B-4543-9324-153A82CB1CBD}" sibTransId="{55DCAA41-1308-4F2C-996F-114481F3F9FE}"/>
-    <dgm:cxn modelId="{BD6AB0CE-4963-4C77-8EA1-EF79CA875B77}" srcId="{A59454B0-B58D-4AE5-8F58-8E2B0125E69A}" destId="{FCCC1A2A-61E1-4887-8103-92D28ECCC292}" srcOrd="1" destOrd="0" parTransId="{FFF347A8-EDB0-49DB-8037-20F13B7DA643}" sibTransId="{C2F2E05D-C14F-4138-9338-AEA96E6F82A1}"/>
-    <dgm:cxn modelId="{692F918E-5B3C-424B-A104-9472878D2543}" type="presOf" srcId="{FA81AC6B-79AF-474D-9396-8E100AFAA611}" destId="{FE058FA1-02CC-4E58-8285-8E4D2D6F92FF}" srcOrd="0" destOrd="0" presId="urn:microsoft.com/office/officeart/2011/layout/CircleProcess"/>
-    <dgm:cxn modelId="{1A5EB033-92C2-432E-8714-CB55170A7978}" srcId="{7C78380B-2AE8-4179-83F4-49BCE5510CEE}" destId="{FA81AC6B-79AF-474D-9396-8E100AFAA611}" srcOrd="0" destOrd="0" parTransId="{B27F232A-13D1-47C3-BC48-8FDDC6DEB66C}" sibTransId="{AA451FC4-F472-4003-B298-A5C65AD3A524}"/>
     <dgm:cxn modelId="{05DB8836-3D16-48E6-A451-9F6B65CC3112}" type="presParOf" srcId="{B2EAA2ED-837C-4695-8E9A-B398C5E6C81C}" destId="{15C35514-9BBE-462C-9906-F3F514E00559}" srcOrd="0" destOrd="0" presId="urn:microsoft.com/office/officeart/2011/layout/CircleProcess"/>
     <dgm:cxn modelId="{4B532515-5689-4F11-B030-02958026561D}" type="presParOf" srcId="{15C35514-9BBE-462C-9906-F3F514E00559}" destId="{C902E27E-5B11-423C-96E9-E3F90236CA5F}" srcOrd="0" destOrd="0" presId="urn:microsoft.com/office/officeart/2011/layout/CircleProcess"/>
     <dgm:cxn modelId="{DA11D397-0A11-4DA2-8F47-CE40E4831622}" type="presParOf" srcId="{B2EAA2ED-837C-4695-8E9A-B398C5E6C81C}" destId="{06225CA4-1A12-40C9-A510-69177198BB60}" srcOrd="1" destOrd="0" presId="urn:microsoft.com/office/officeart/2011/layout/CircleProcess"/>
@@ -11447,7 +11448,7 @@
             <a:fld id="{B6B71569-B934-44CC-8BF4-75517A80311F}" type="datetimeFigureOut">
               <a:rPr lang="en-US" smtClean="0"/>
               <a:pPr/>
-              <a:t>7/9/2016</a:t>
+              <a:t>7/11/2016</a:t>
             </a:fld>
             <a:endParaRPr lang="en-US" dirty="0"/>
           </a:p>
@@ -11615,7 +11616,7 @@
             <a:fld id="{7D770572-0A2A-48BD-B89B-5DB84C6DAF4D}" type="datetimeFigureOut">
               <a:rPr lang="en-US" smtClean="0"/>
               <a:pPr/>
-              <a:t>7/9/2016</a:t>
+              <a:t>7/11/2016</a:t>
             </a:fld>
             <a:endParaRPr lang="en-US" dirty="0"/>
           </a:p>
@@ -12320,6 +12321,91 @@
     <p:extLst>
       <p:ext uri="{BB962C8B-B14F-4D97-AF65-F5344CB8AC3E}">
         <p14:creationId xmlns:p14="http://schemas.microsoft.com/office/powerpoint/2010/main" val="2098846046"/>
+      </p:ext>
+    </p:extLst>
+  </p:cSld>
+  <p:clrMapOvr>
+    <a:masterClrMapping/>
+  </p:clrMapOvr>
+</p:notes>
+</file>
+
+<file path=ppt/notesSlides/notesSlide14.xml><?xml version="1.0" encoding="utf-8"?>
+<p:notes xmlns:a="http://schemas.openxmlformats.org/drawingml/2006/main" xmlns:r="http://schemas.openxmlformats.org/officeDocument/2006/relationships" xmlns:p="http://schemas.openxmlformats.org/presentationml/2006/main">
+  <p:cSld>
+    <p:spTree>
+      <p:nvGrpSpPr>
+        <p:cNvPr id="1" name=""/>
+        <p:cNvGrpSpPr/>
+        <p:nvPr/>
+      </p:nvGrpSpPr>
+      <p:grpSpPr>
+        <a:xfrm>
+          <a:off x="0" y="0"/>
+          <a:ext cx="0" cy="0"/>
+          <a:chOff x="0" y="0"/>
+          <a:chExt cx="0" cy="0"/>
+        </a:xfrm>
+      </p:grpSpPr>
+      <p:sp>
+        <p:nvSpPr>
+          <p:cNvPr id="2" name="Slide Image Placeholder 1"/>
+          <p:cNvSpPr>
+            <a:spLocks noGrp="1" noRot="1" noChangeAspect="1"/>
+          </p:cNvSpPr>
+          <p:nvPr>
+            <p:ph type="sldImg"/>
+          </p:nvPr>
+        </p:nvSpPr>
+        <p:spPr/>
+      </p:sp>
+      <p:sp>
+        <p:nvSpPr>
+          <p:cNvPr id="3" name="Notes Placeholder 2"/>
+          <p:cNvSpPr>
+            <a:spLocks noGrp="1"/>
+          </p:cNvSpPr>
+          <p:nvPr>
+            <p:ph type="body" idx="1"/>
+          </p:nvPr>
+        </p:nvSpPr>
+        <p:spPr/>
+        <p:txBody>
+          <a:bodyPr/>
+          <a:lstStyle/>
+          <a:p>
+            <a:endParaRPr lang="en-US"/>
+          </a:p>
+        </p:txBody>
+      </p:sp>
+      <p:sp>
+        <p:nvSpPr>
+          <p:cNvPr id="4" name="Slide Number Placeholder 3"/>
+          <p:cNvSpPr>
+            <a:spLocks noGrp="1"/>
+          </p:cNvSpPr>
+          <p:nvPr>
+            <p:ph type="sldNum" sz="quarter" idx="10"/>
+          </p:nvPr>
+        </p:nvSpPr>
+        <p:spPr/>
+        <p:txBody>
+          <a:bodyPr/>
+          <a:lstStyle/>
+          <a:p>
+            <a:fld id="{6645A7A1-3CC9-49BB-8808-7A444334105A}" type="slidenum">
+              <a:rPr lang="en-US" smtClean="0"/>
+              <a:pPr/>
+              <a:t>14</a:t>
+            </a:fld>
+            <a:endParaRPr lang="en-US" dirty="0"/>
+          </a:p>
+        </p:txBody>
+      </p:sp>
+    </p:spTree>
+    <p:extLst>
+      <p:ext uri="{BB962C8B-B14F-4D97-AF65-F5344CB8AC3E}">
+        <p14:creationId xmlns:p14="http://schemas.microsoft.com/office/powerpoint/2010/main" val="2465040373"/>
       </p:ext>
     </p:extLst>
   </p:cSld>
@@ -28374,6 +28460,727 @@
     <p:extLst>
       <p:ext uri="{BB962C8B-B14F-4D97-AF65-F5344CB8AC3E}">
         <p14:creationId xmlns:p14="http://schemas.microsoft.com/office/powerpoint/2010/main" val="2100161457"/>
+      </p:ext>
+    </p:extLst>
+  </p:cSld>
+  <p:clrMapOvr>
+    <a:masterClrMapping/>
+  </p:clrMapOvr>
+</p:sld>
+</file>
+
+<file path=ppt/slides/slide14.xml><?xml version="1.0" encoding="utf-8"?>
+<p:sld xmlns:a="http://schemas.openxmlformats.org/drawingml/2006/main" xmlns:r="http://schemas.openxmlformats.org/officeDocument/2006/relationships" xmlns:p="http://schemas.openxmlformats.org/presentationml/2006/main">
+  <p:cSld>
+    <p:spTree>
+      <p:nvGrpSpPr>
+        <p:cNvPr id="1" name=""/>
+        <p:cNvGrpSpPr/>
+        <p:nvPr/>
+      </p:nvGrpSpPr>
+      <p:grpSpPr>
+        <a:xfrm>
+          <a:off x="0" y="0"/>
+          <a:ext cx="0" cy="0"/>
+          <a:chOff x="0" y="0"/>
+          <a:chExt cx="0" cy="0"/>
+        </a:xfrm>
+      </p:grpSpPr>
+      <p:sp>
+        <p:nvSpPr>
+          <p:cNvPr id="8" name="Slide Number Placeholder 5"/>
+          <p:cNvSpPr>
+            <a:spLocks noGrp="1"/>
+          </p:cNvSpPr>
+          <p:nvPr>
+            <p:ph type="sldNum" sz="quarter" idx="12"/>
+          </p:nvPr>
+        </p:nvSpPr>
+        <p:spPr>
+          <a:xfrm>
+            <a:off x="19587" y="6611811"/>
+            <a:ext cx="508000" cy="228600"/>
+          </a:xfrm>
+        </p:spPr>
+        <p:txBody>
+          <a:bodyPr>
+            <a:normAutofit fontScale="92500" lnSpcReduction="20000"/>
+          </a:bodyPr>
+          <a:lstStyle/>
+          <a:p>
+            <a:fld id="{E3F9CDB7-52C7-407A-9D61-3D60DE0C9C88}" type="slidenum">
+              <a:rPr lang="en-US" smtClean="0"/>
+              <a:pPr/>
+              <a:t>14</a:t>
+            </a:fld>
+            <a:endParaRPr lang="en-US" dirty="0"/>
+          </a:p>
+        </p:txBody>
+      </p:sp>
+      <p:graphicFrame>
+        <p:nvGraphicFramePr>
+          <p:cNvPr id="2" name="Table 1"/>
+          <p:cNvGraphicFramePr>
+            <a:graphicFrameLocks noGrp="1"/>
+          </p:cNvGraphicFramePr>
+          <p:nvPr/>
+        </p:nvGraphicFramePr>
+        <p:xfrm>
+          <a:off x="3822209" y="1061278"/>
+          <a:ext cx="4553933" cy="5079932"/>
+        </p:xfrm>
+        <a:graphic>
+          <a:graphicData uri="http://schemas.openxmlformats.org/drawingml/2006/table">
+            <a:tbl>
+              <a:tblPr/>
+              <a:tblGrid>
+                <a:gridCol w="1036548">
+                  <a:extLst>
+                    <a:ext uri="{9D8B030D-6E8A-4147-A177-3AD203B41FA5}">
+                      <a16:colId xmlns:a16="http://schemas.microsoft.com/office/drawing/2014/main" val="3022393979"/>
+                    </a:ext>
+                  </a:extLst>
+                </a:gridCol>
+                <a:gridCol w="3517385">
+                  <a:extLst>
+                    <a:ext uri="{9D8B030D-6E8A-4147-A177-3AD203B41FA5}">
+                      <a16:colId xmlns:a16="http://schemas.microsoft.com/office/drawing/2014/main" val="2823674663"/>
+                    </a:ext>
+                  </a:extLst>
+                </a:gridCol>
+              </a:tblGrid>
+              <a:tr h="280015">
+                <a:tc>
+                  <a:txBody>
+                    <a:bodyPr/>
+                    <a:lstStyle/>
+                    <a:p>
+                      <a:endParaRPr lang="en-US" sz="1500" dirty="0"/>
+                    </a:p>
+                  </a:txBody>
+                  <a:tcPr marL="0" marR="0" marT="0" marB="0">
+                    <a:lnL>
+                      <a:noFill/>
+                    </a:lnL>
+                    <a:lnR>
+                      <a:noFill/>
+                    </a:lnR>
+                    <a:lnT>
+                      <a:noFill/>
+                    </a:lnT>
+                    <a:lnB>
+                      <a:noFill/>
+                    </a:lnB>
+                    <a:solidFill>
+                      <a:srgbClr val="FFFFFF"/>
+                    </a:solidFill>
+                  </a:tcPr>
+                </a:tc>
+                <a:tc>
+                  <a:txBody>
+                    <a:bodyPr/>
+                    <a:lstStyle/>
+                    <a:p>
+                      <a:endParaRPr lang="en-US" sz="1500" dirty="0"/>
+                    </a:p>
+                  </a:txBody>
+                  <a:tcPr marL="58951" marR="58951" marT="29475" marB="29475">
+                    <a:lnL>
+                      <a:noFill/>
+                    </a:lnL>
+                  </a:tcPr>
+                </a:tc>
+                <a:extLst>
+                  <a:ext uri="{0D108BD9-81ED-4DB2-BD59-A6C34878D82A}">
+                    <a16:rowId xmlns:a16="http://schemas.microsoft.com/office/drawing/2014/main" val="21982715"/>
+                  </a:ext>
+                </a:extLst>
+              </a:tr>
+              <a:tr h="1983032">
+                <a:tc>
+                  <a:txBody>
+                    <a:bodyPr/>
+                    <a:lstStyle/>
+                    <a:p>
+                      <a:pPr marL="0" marR="0" algn="just">
+                        <a:spcBef>
+                          <a:spcPts val="0"/>
+                        </a:spcBef>
+                        <a:spcAft>
+                          <a:spcPts val="0"/>
+                        </a:spcAft>
+                      </a:pPr>
+                      <a:endParaRPr lang="en-US" sz="1500" dirty="0">
+                        <a:effectLst/>
+                        <a:latin typeface="Calibri" panose="020F0502020204030204" pitchFamily="34" charset="0"/>
+                      </a:endParaRPr>
+                    </a:p>
+                  </a:txBody>
+                  <a:tcPr marL="58951" marR="58951" marT="29475" marB="29475" anchor="ctr">
+                    <a:lnL>
+                      <a:noFill/>
+                    </a:lnL>
+                    <a:lnR>
+                      <a:noFill/>
+                    </a:lnR>
+                    <a:lnT>
+                      <a:noFill/>
+                    </a:lnT>
+                    <a:lnB>
+                      <a:noFill/>
+                    </a:lnB>
+                    <a:solidFill>
+                      <a:srgbClr val="F2F2F2"/>
+                    </a:solidFill>
+                  </a:tcPr>
+                </a:tc>
+                <a:tc>
+                  <a:txBody>
+                    <a:bodyPr/>
+                    <a:lstStyle/>
+                    <a:p>
+                      <a:endParaRPr lang="en-US" sz="1500" dirty="0"/>
+                    </a:p>
+                  </a:txBody>
+                  <a:tcPr marL="58951" marR="58951" marT="29475" marB="29475">
+                    <a:lnL>
+                      <a:noFill/>
+                    </a:lnL>
+                  </a:tcPr>
+                </a:tc>
+                <a:extLst>
+                  <a:ext uri="{0D108BD9-81ED-4DB2-BD59-A6C34878D82A}">
+                    <a16:rowId xmlns:a16="http://schemas.microsoft.com/office/drawing/2014/main" val="2532323014"/>
+                  </a:ext>
+                </a:extLst>
+              </a:tr>
+              <a:tr h="280015">
+                <a:tc>
+                  <a:txBody>
+                    <a:bodyPr/>
+                    <a:lstStyle/>
+                    <a:p>
+                      <a:pPr marL="0" marR="0">
+                        <a:spcBef>
+                          <a:spcPts val="0"/>
+                        </a:spcBef>
+                        <a:spcAft>
+                          <a:spcPts val="0"/>
+                        </a:spcAft>
+                      </a:pPr>
+                      <a:r>
+                        <a:rPr lang="en-US" sz="1500">
+                          <a:effectLst/>
+                          <a:latin typeface="arial" panose="020B0604020202020204" pitchFamily="34" charset="0"/>
+                        </a:rPr>
+                        <a:t>Date </a:t>
+                      </a:r>
+                    </a:p>
+                  </a:txBody>
+                  <a:tcPr marL="58951" marR="58951" marT="29475" marB="29475" anchor="ctr">
+                    <a:lnL>
+                      <a:noFill/>
+                    </a:lnL>
+                    <a:lnR>
+                      <a:noFill/>
+                    </a:lnR>
+                    <a:lnT>
+                      <a:noFill/>
+                    </a:lnT>
+                    <a:lnB>
+                      <a:noFill/>
+                    </a:lnB>
+                    <a:solidFill>
+                      <a:srgbClr val="0060A8"/>
+                    </a:solidFill>
+                  </a:tcPr>
+                </a:tc>
+                <a:tc>
+                  <a:txBody>
+                    <a:bodyPr/>
+                    <a:lstStyle/>
+                    <a:p>
+                      <a:pPr marL="0" marR="0">
+                        <a:spcBef>
+                          <a:spcPts val="0"/>
+                        </a:spcBef>
+                        <a:spcAft>
+                          <a:spcPts val="0"/>
+                        </a:spcAft>
+                      </a:pPr>
+                      <a:r>
+                        <a:rPr lang="en-US" sz="1500" dirty="0">
+                          <a:effectLst/>
+                          <a:latin typeface="arial" panose="020B0604020202020204" pitchFamily="34" charset="0"/>
+                        </a:rPr>
+                        <a:t>: Jul 07, 2016</a:t>
+                      </a:r>
+                    </a:p>
+                  </a:txBody>
+                  <a:tcPr marL="58951" marR="58951" marT="29475" marB="29475" anchor="ctr">
+                    <a:lnL>
+                      <a:noFill/>
+                    </a:lnL>
+                    <a:lnR>
+                      <a:noFill/>
+                    </a:lnR>
+                    <a:lnB>
+                      <a:noFill/>
+                    </a:lnB>
+                    <a:solidFill>
+                      <a:srgbClr val="0060A8"/>
+                    </a:solidFill>
+                  </a:tcPr>
+                </a:tc>
+                <a:extLst>
+                  <a:ext uri="{0D108BD9-81ED-4DB2-BD59-A6C34878D82A}">
+                    <a16:rowId xmlns:a16="http://schemas.microsoft.com/office/drawing/2014/main" val="3217786962"/>
+                  </a:ext>
+                </a:extLst>
+              </a:tr>
+              <a:tr h="280015">
+                <a:tc>
+                  <a:txBody>
+                    <a:bodyPr/>
+                    <a:lstStyle/>
+                    <a:p>
+                      <a:pPr marL="0" marR="0">
+                        <a:spcBef>
+                          <a:spcPts val="0"/>
+                        </a:spcBef>
+                        <a:spcAft>
+                          <a:spcPts val="0"/>
+                        </a:spcAft>
+                      </a:pPr>
+                      <a:r>
+                        <a:rPr lang="en-US" sz="1500">
+                          <a:effectLst/>
+                          <a:latin typeface="arial" panose="020B0604020202020204" pitchFamily="34" charset="0"/>
+                        </a:rPr>
+                        <a:t>Time</a:t>
+                      </a:r>
+                    </a:p>
+                  </a:txBody>
+                  <a:tcPr marL="58951" marR="58951" marT="29475" marB="29475" anchor="ctr">
+                    <a:lnL>
+                      <a:noFill/>
+                    </a:lnL>
+                    <a:lnR>
+                      <a:noFill/>
+                    </a:lnR>
+                    <a:lnT>
+                      <a:noFill/>
+                    </a:lnT>
+                    <a:lnB>
+                      <a:noFill/>
+                    </a:lnB>
+                    <a:solidFill>
+                      <a:srgbClr val="007DDA"/>
+                    </a:solidFill>
+                  </a:tcPr>
+                </a:tc>
+                <a:tc>
+                  <a:txBody>
+                    <a:bodyPr/>
+                    <a:lstStyle/>
+                    <a:p>
+                      <a:pPr marL="0" marR="0">
+                        <a:spcBef>
+                          <a:spcPts val="0"/>
+                        </a:spcBef>
+                        <a:spcAft>
+                          <a:spcPts val="0"/>
+                        </a:spcAft>
+                      </a:pPr>
+                      <a:r>
+                        <a:rPr lang="en-US" sz="1500" dirty="0">
+                          <a:effectLst/>
+                          <a:latin typeface="arial" panose="020B0604020202020204" pitchFamily="34" charset="0"/>
+                        </a:rPr>
+                        <a:t>: 4:00 to 5:00 PM IST</a:t>
+                      </a:r>
+                    </a:p>
+                  </a:txBody>
+                  <a:tcPr marL="58951" marR="58951" marT="29475" marB="29475" anchor="ctr">
+                    <a:lnL>
+                      <a:noFill/>
+                    </a:lnL>
+                    <a:lnR>
+                      <a:noFill/>
+                    </a:lnR>
+                    <a:lnT>
+                      <a:noFill/>
+                    </a:lnT>
+                    <a:lnB>
+                      <a:noFill/>
+                    </a:lnB>
+                    <a:solidFill>
+                      <a:srgbClr val="007DDA"/>
+                    </a:solidFill>
+                  </a:tcPr>
+                </a:tc>
+                <a:extLst>
+                  <a:ext uri="{0D108BD9-81ED-4DB2-BD59-A6C34878D82A}">
+                    <a16:rowId xmlns:a16="http://schemas.microsoft.com/office/drawing/2014/main" val="2128133443"/>
+                  </a:ext>
+                </a:extLst>
+              </a:tr>
+              <a:tr h="722145">
+                <a:tc>
+                  <a:txBody>
+                    <a:bodyPr/>
+                    <a:lstStyle/>
+                    <a:p>
+                      <a:pPr marL="0" marR="0">
+                        <a:spcBef>
+                          <a:spcPts val="0"/>
+                        </a:spcBef>
+                        <a:spcAft>
+                          <a:spcPts val="0"/>
+                        </a:spcAft>
+                      </a:pPr>
+                      <a:r>
+                        <a:rPr lang="en-US" sz="1500" dirty="0">
+                          <a:effectLst/>
+                          <a:latin typeface="arial" panose="020B0604020202020204" pitchFamily="34" charset="0"/>
+                        </a:rPr>
+                        <a:t>  Audio Conference</a:t>
+                      </a:r>
+                    </a:p>
+                  </a:txBody>
+                  <a:tcPr marL="58951" marR="58951" marT="29475" marB="29475" anchor="ctr">
+                    <a:lnL>
+                      <a:noFill/>
+                    </a:lnL>
+                    <a:lnR>
+                      <a:noFill/>
+                    </a:lnR>
+                    <a:lnT>
+                      <a:noFill/>
+                    </a:lnT>
+                    <a:lnB>
+                      <a:noFill/>
+                    </a:lnB>
+                    <a:solidFill>
+                      <a:srgbClr val="0070C0"/>
+                    </a:solidFill>
+                  </a:tcPr>
+                </a:tc>
+                <a:tc>
+                  <a:txBody>
+                    <a:bodyPr/>
+                    <a:lstStyle/>
+                    <a:p>
+                      <a:pPr marL="0" marR="0">
+                        <a:spcBef>
+                          <a:spcPts val="0"/>
+                        </a:spcBef>
+                        <a:spcAft>
+                          <a:spcPts val="0"/>
+                        </a:spcAft>
+                      </a:pPr>
+                      <a:r>
+                        <a:rPr lang="en-US" sz="1500" dirty="0">
+                          <a:effectLst/>
+                          <a:latin typeface="arial" panose="020B0604020202020204" pitchFamily="34" charset="0"/>
+                        </a:rPr>
+                        <a:t>: India: 44110900 / US: </a:t>
+                      </a:r>
+                      <a:r>
+                        <a:rPr lang="en-US" sz="1500" dirty="0">
+                          <a:effectLst/>
+                          <a:latin typeface="arial" panose="020B0604020202020204" pitchFamily="34" charset="0"/>
+                          <a:hlinkClick r:id="rId3"/>
+                        </a:rPr>
+                        <a:t>18557689973</a:t>
+                      </a:r>
+                      <a:endParaRPr lang="en-US" sz="1500" dirty="0">
+                        <a:effectLst/>
+                        <a:latin typeface="arial" panose="020B0604020202020204" pitchFamily="34" charset="0"/>
+                      </a:endParaRPr>
+                    </a:p>
+                  </a:txBody>
+                  <a:tcPr marL="58951" marR="58951" marT="29475" marB="29475" anchor="ctr">
+                    <a:lnL>
+                      <a:noFill/>
+                    </a:lnL>
+                    <a:lnR>
+                      <a:noFill/>
+                    </a:lnR>
+                    <a:lnT>
+                      <a:noFill/>
+                    </a:lnT>
+                    <a:lnB>
+                      <a:noFill/>
+                    </a:lnB>
+                    <a:solidFill>
+                      <a:srgbClr val="0070C0"/>
+                    </a:solidFill>
+                  </a:tcPr>
+                </a:tc>
+                <a:extLst>
+                  <a:ext uri="{0D108BD9-81ED-4DB2-BD59-A6C34878D82A}">
+                    <a16:rowId xmlns:a16="http://schemas.microsoft.com/office/drawing/2014/main" val="2522107671"/>
+                  </a:ext>
+                </a:extLst>
+              </a:tr>
+              <a:tr h="501080">
+                <a:tc>
+                  <a:txBody>
+                    <a:bodyPr/>
+                    <a:lstStyle/>
+                    <a:p>
+                      <a:pPr marL="0" marR="0">
+                        <a:spcBef>
+                          <a:spcPts val="0"/>
+                        </a:spcBef>
+                        <a:spcAft>
+                          <a:spcPts val="0"/>
+                        </a:spcAft>
+                      </a:pPr>
+                      <a:r>
+                        <a:rPr lang="en-US" sz="1500">
+                          <a:effectLst/>
+                          <a:latin typeface="arial" panose="020B0604020202020204" pitchFamily="34" charset="0"/>
+                        </a:rPr>
+                        <a:t>Participant PIN </a:t>
+                      </a:r>
+                    </a:p>
+                  </a:txBody>
+                  <a:tcPr marL="58951" marR="58951" marT="29475" marB="29475" anchor="ctr">
+                    <a:lnL>
+                      <a:noFill/>
+                    </a:lnL>
+                    <a:lnR>
+                      <a:noFill/>
+                    </a:lnR>
+                    <a:lnT>
+                      <a:noFill/>
+                    </a:lnT>
+                    <a:lnB>
+                      <a:noFill/>
+                    </a:lnB>
+                    <a:solidFill>
+                      <a:srgbClr val="007DDA"/>
+                    </a:solidFill>
+                  </a:tcPr>
+                </a:tc>
+                <a:tc>
+                  <a:txBody>
+                    <a:bodyPr/>
+                    <a:lstStyle/>
+                    <a:p>
+                      <a:pPr marL="0" marR="0">
+                        <a:spcBef>
+                          <a:spcPts val="0"/>
+                        </a:spcBef>
+                        <a:spcAft>
+                          <a:spcPts val="0"/>
+                        </a:spcAft>
+                      </a:pPr>
+                      <a:r>
+                        <a:rPr lang="en-US" sz="1500" dirty="0">
+                          <a:effectLst/>
+                          <a:latin typeface="arial" panose="020B0604020202020204" pitchFamily="34" charset="0"/>
+                        </a:rPr>
+                        <a:t>: 3556615944</a:t>
+                      </a:r>
+                    </a:p>
+                  </a:txBody>
+                  <a:tcPr marL="58951" marR="58951" marT="29475" marB="29475" anchor="ctr">
+                    <a:lnL>
+                      <a:noFill/>
+                    </a:lnL>
+                    <a:lnR>
+                      <a:noFill/>
+                    </a:lnR>
+                    <a:lnT>
+                      <a:noFill/>
+                    </a:lnT>
+                    <a:lnB>
+                      <a:noFill/>
+                    </a:lnB>
+                    <a:solidFill>
+                      <a:srgbClr val="007DDA"/>
+                    </a:solidFill>
+                  </a:tcPr>
+                </a:tc>
+                <a:extLst>
+                  <a:ext uri="{0D108BD9-81ED-4DB2-BD59-A6C34878D82A}">
+                    <a16:rowId xmlns:a16="http://schemas.microsoft.com/office/drawing/2014/main" val="2578217089"/>
+                  </a:ext>
+                </a:extLst>
+              </a:tr>
+              <a:tr h="943209">
+                <a:tc>
+                  <a:txBody>
+                    <a:bodyPr/>
+                    <a:lstStyle/>
+                    <a:p>
+                      <a:pPr marL="0" marR="0">
+                        <a:spcBef>
+                          <a:spcPts val="0"/>
+                        </a:spcBef>
+                        <a:spcAft>
+                          <a:spcPts val="0"/>
+                        </a:spcAft>
+                      </a:pPr>
+                      <a:r>
+                        <a:rPr lang="en-US" sz="1500">
+                          <a:effectLst/>
+                          <a:latin typeface="arial" panose="020B0604020202020204" pitchFamily="34" charset="0"/>
+                        </a:rPr>
+                        <a:t>WebEx URL</a:t>
+                      </a:r>
+                    </a:p>
+                  </a:txBody>
+                  <a:tcPr marL="58951" marR="58951" marT="29475" marB="29475" anchor="ctr">
+                    <a:lnL>
+                      <a:noFill/>
+                    </a:lnL>
+                    <a:lnR>
+                      <a:noFill/>
+                    </a:lnR>
+                    <a:lnT>
+                      <a:noFill/>
+                    </a:lnT>
+                    <a:lnB>
+                      <a:noFill/>
+                    </a:lnB>
+                    <a:solidFill>
+                      <a:srgbClr val="0070C0"/>
+                    </a:solidFill>
+                  </a:tcPr>
+                </a:tc>
+                <a:tc>
+                  <a:txBody>
+                    <a:bodyPr/>
+                    <a:lstStyle/>
+                    <a:p>
+                      <a:pPr marL="0" marR="0">
+                        <a:spcBef>
+                          <a:spcPts val="0"/>
+                        </a:spcBef>
+                        <a:spcAft>
+                          <a:spcPts val="0"/>
+                        </a:spcAft>
+                      </a:pPr>
+                      <a:r>
+                        <a:rPr lang="en-US" sz="1500" dirty="0">
+                          <a:effectLst/>
+                          <a:latin typeface="arial" panose="020B0604020202020204" pitchFamily="34" charset="0"/>
+                        </a:rPr>
+                        <a:t>: </a:t>
+                      </a:r>
+                      <a:r>
+                        <a:rPr lang="en-US" sz="1500" u="sng" dirty="0">
+                          <a:effectLst/>
+                          <a:latin typeface="arial" panose="020B0604020202020204" pitchFamily="34" charset="0"/>
+                          <a:hlinkClick r:id="rId4"/>
+                        </a:rPr>
+                        <a:t>https://infosys-india2.webex.com/infosys-india2/j.php?MTID=m10d7580769519bc2b8977ad81e92b797</a:t>
+                      </a:r>
+                      <a:r>
+                        <a:rPr lang="en-US" sz="1500" dirty="0">
+                          <a:effectLst/>
+                          <a:latin typeface="arial" panose="020B0604020202020204" pitchFamily="34" charset="0"/>
+                        </a:rPr>
+                        <a:t> </a:t>
+                      </a:r>
+                    </a:p>
+                  </a:txBody>
+                  <a:tcPr marL="58951" marR="58951" marT="29475" marB="29475" anchor="ctr">
+                    <a:lnL>
+                      <a:noFill/>
+                    </a:lnL>
+                    <a:lnR>
+                      <a:noFill/>
+                    </a:lnR>
+                    <a:lnT>
+                      <a:noFill/>
+                    </a:lnT>
+                    <a:lnB>
+                      <a:noFill/>
+                    </a:lnB>
+                    <a:solidFill>
+                      <a:srgbClr val="0070C0"/>
+                    </a:solidFill>
+                  </a:tcPr>
+                </a:tc>
+                <a:extLst>
+                  <a:ext uri="{0D108BD9-81ED-4DB2-BD59-A6C34878D82A}">
+                    <a16:rowId xmlns:a16="http://schemas.microsoft.com/office/drawing/2014/main" val="1298293"/>
+                  </a:ext>
+                </a:extLst>
+              </a:tr>
+            </a:tbl>
+          </a:graphicData>
+        </a:graphic>
+      </p:graphicFrame>
+      <p:sp>
+        <p:nvSpPr>
+          <p:cNvPr id="3" name="Rectangle 1">
+            <a:hlinkClick r:id="rId4"/>
+          </p:cNvPr>
+          <p:cNvSpPr>
+            <a:spLocks noChangeArrowheads="1"/>
+          </p:cNvSpPr>
+          <p:nvPr/>
+        </p:nvSpPr>
+        <p:spPr bwMode="auto">
+          <a:xfrm>
+            <a:off x="3822700" y="1062038"/>
+            <a:ext cx="1409700" cy="0"/>
+          </a:xfrm>
+          <a:prstGeom prst="rect">
+            <a:avLst/>
+          </a:prstGeom>
+          <a:solidFill>
+            <a:srgbClr val="FFFFFF"/>
+          </a:solidFill>
+          <a:ln>
+            <a:noFill/>
+          </a:ln>
+          <a:effectLst/>
+          <a:extLst>
+            <a:ext uri="{91240B29-F687-4F45-9708-019B960494DF}">
+              <a14:hiddenLine xmlns:a14="http://schemas.microsoft.com/office/drawing/2010/main" w="9525">
+                <a:solidFill>
+                  <a:schemeClr val="tx1"/>
+                </a:solidFill>
+                <a:miter lim="800000"/>
+                <a:headEnd/>
+                <a:tailEnd/>
+              </a14:hiddenLine>
+            </a:ext>
+            <a:ext uri="{AF507438-7753-43E0-B8FC-AC1667EBCBE1}">
+              <a14:hiddenEffects xmlns:a14="http://schemas.microsoft.com/office/drawing/2010/main">
+                <a:effectLst>
+                  <a:outerShdw dist="35921" dir="2700000" algn="ctr" rotWithShape="0">
+                    <a:schemeClr val="bg2"/>
+                  </a:outerShdw>
+                </a:effectLst>
+              </a14:hiddenEffects>
+            </a:ext>
+          </a:extLst>
+        </p:spPr>
+        <p:txBody>
+          <a:bodyPr vert="horz" wrap="none" lIns="47610" tIns="-17457" rIns="0" bIns="-17457" numCol="1" anchor="ctr" anchorCtr="0" compatLnSpc="1">
+            <a:prstTxWarp prst="textNoShape">
+              <a:avLst/>
+            </a:prstTxWarp>
+            <a:spAutoFit/>
+          </a:bodyPr>
+          <a:lstStyle/>
+          <a:p>
+            <a:endParaRPr lang="en-US"/>
+          </a:p>
+        </p:txBody>
+      </p:sp>
+    </p:spTree>
+    <p:extLst>
+      <p:ext uri="{BB962C8B-B14F-4D97-AF65-F5344CB8AC3E}">
+        <p14:creationId xmlns:p14="http://schemas.microsoft.com/office/powerpoint/2010/main" val="3737541402"/>
       </p:ext>
     </p:extLst>
   </p:cSld>
